--- a/修論/本文/figure/fig_2_2_IL_setup.pptx
+++ b/修論/本文/figure/fig_2_2_IL_setup.pptx
@@ -12,7 +12,7 @@
   </p:handoutMasterIdLst>
   <p:sldIdLst>
     <p:sldId id="278" r:id="rId2"/>
-    <p:sldId id="290" r:id="rId3"/>
+    <p:sldId id="291" r:id="rId3"/>
   </p:sldIdLst>
   <p:sldSz cx="9144000" cy="6858000" type="screen4x3"/>
   <p:notesSz cx="9869488" cy="6735763"/>
@@ -227,7 +227,7 @@
           <a:p>
             <a:fld id="{78E677E7-82C9-4938-9480-49B5B41335B9}" type="datetimeFigureOut">
               <a:rPr kumimoji="1" lang="ja-JP" altLang="en-US" smtClean="0"/>
-              <a:t>2018/12/16</a:t>
+              <a:t>2018/12/20</a:t>
             </a:fld>
             <a:endParaRPr kumimoji="1" lang="ja-JP" altLang="en-US"/>
           </a:p>
@@ -404,7 +404,7 @@
           <a:p>
             <a:fld id="{3446E738-F900-9D48-A133-DAC01D1B4E24}" type="datetimeFigureOut">
               <a:rPr kumimoji="1" lang="ja-JP" altLang="en-US" smtClean="0"/>
-              <a:t>2018/12/16</a:t>
+              <a:t>2018/12/20</a:t>
             </a:fld>
             <a:endParaRPr kumimoji="1" lang="ja-JP" altLang="en-US"/>
           </a:p>
@@ -909,7 +909,7 @@
           <a:p>
             <a:fld id="{10720FFB-8FD2-0244-8340-A53A1D78DF51}" type="datetime1">
               <a:rPr kumimoji="1" lang="ja-JP" altLang="en-US" smtClean="0"/>
-              <a:t>2018/12/16</a:t>
+              <a:t>2018/12/20</a:t>
             </a:fld>
             <a:endParaRPr kumimoji="1" lang="ja-JP" altLang="en-US"/>
           </a:p>
@@ -1118,7 +1118,7 @@
           <a:p>
             <a:fld id="{CE9D822C-DFC2-9543-907C-72EEC755F3F7}" type="datetime1">
               <a:rPr kumimoji="1" lang="ja-JP" altLang="en-US" smtClean="0"/>
-              <a:t>2018/12/16</a:t>
+              <a:t>2018/12/20</a:t>
             </a:fld>
             <a:endParaRPr kumimoji="1" lang="ja-JP" altLang="en-US"/>
           </a:p>
@@ -1337,7 +1337,7 @@
           <a:p>
             <a:fld id="{C1282F87-C729-5D48-A48C-1DB9AA85DB81}" type="datetime1">
               <a:rPr kumimoji="1" lang="ja-JP" altLang="en-US" smtClean="0"/>
-              <a:t>2018/12/16</a:t>
+              <a:t>2018/12/20</a:t>
             </a:fld>
             <a:endParaRPr kumimoji="1" lang="ja-JP" altLang="en-US"/>
           </a:p>
@@ -1546,7 +1546,7 @@
           <a:p>
             <a:fld id="{89A47EE3-A654-A443-B744-676F7DFE59F9}" type="datetime1">
               <a:rPr kumimoji="1" lang="ja-JP" altLang="en-US" smtClean="0"/>
-              <a:t>2018/12/16</a:t>
+              <a:t>2018/12/20</a:t>
             </a:fld>
             <a:endParaRPr kumimoji="1" lang="ja-JP" altLang="en-US"/>
           </a:p>
@@ -1876,7 +1876,7 @@
           <a:p>
             <a:fld id="{F2FBEC7A-1A8D-3D4F-B579-5908030A237A}" type="datetime1">
               <a:rPr kumimoji="1" lang="ja-JP" altLang="en-US" smtClean="0"/>
-              <a:t>2018/12/16</a:t>
+              <a:t>2018/12/20</a:t>
             </a:fld>
             <a:endParaRPr kumimoji="1" lang="ja-JP" altLang="en-US"/>
           </a:p>
@@ -2159,7 +2159,7 @@
           <a:p>
             <a:fld id="{6F8B8875-4412-2045-A219-43F832D95989}" type="datetime1">
               <a:rPr kumimoji="1" lang="ja-JP" altLang="en-US" smtClean="0"/>
-              <a:t>2018/12/16</a:t>
+              <a:t>2018/12/20</a:t>
             </a:fld>
             <a:endParaRPr kumimoji="1" lang="ja-JP" altLang="en-US"/>
           </a:p>
@@ -2659,7 +2659,7 @@
           <a:p>
             <a:fld id="{9759EF83-A7E8-ED4E-BE3B-B04F4CD47BBB}" type="datetime1">
               <a:rPr kumimoji="1" lang="ja-JP" altLang="en-US" smtClean="0"/>
-              <a:t>2018/12/16</a:t>
+              <a:t>2018/12/20</a:t>
             </a:fld>
             <a:endParaRPr kumimoji="1" lang="ja-JP" altLang="en-US"/>
           </a:p>
@@ -2804,7 +2804,7 @@
           <a:p>
             <a:fld id="{A39236DB-587D-5F41-B6B0-8726D9E83BFC}" type="datetime1">
               <a:rPr kumimoji="1" lang="ja-JP" altLang="en-US" smtClean="0"/>
-              <a:t>2018/12/16</a:t>
+              <a:t>2018/12/20</a:t>
             </a:fld>
             <a:endParaRPr kumimoji="1" lang="ja-JP" altLang="en-US"/>
           </a:p>
@@ -2921,7 +2921,7 @@
           <a:p>
             <a:fld id="{C55BB37D-AE48-DD40-8537-3AADCD4AD14E}" type="datetime1">
               <a:rPr kumimoji="1" lang="ja-JP" altLang="en-US" smtClean="0"/>
-              <a:t>2018/12/16</a:t>
+              <a:t>2018/12/20</a:t>
             </a:fld>
             <a:endParaRPr kumimoji="1" lang="ja-JP" altLang="en-US"/>
           </a:p>
@@ -3278,7 +3278,7 @@
           <a:p>
             <a:fld id="{044A9A96-A761-E544-A252-16B574CAA06A}" type="datetime1">
               <a:rPr kumimoji="1" lang="ja-JP" altLang="en-US" smtClean="0"/>
-              <a:t>2018/12/16</a:t>
+              <a:t>2018/12/20</a:t>
             </a:fld>
             <a:endParaRPr kumimoji="1" lang="ja-JP" altLang="en-US"/>
           </a:p>
@@ -3605,7 +3605,7 @@
           <a:p>
             <a:fld id="{3BF67472-26F2-1445-9318-605606D5DD2C}" type="datetime1">
               <a:rPr kumimoji="1" lang="ja-JP" altLang="en-US" smtClean="0"/>
-              <a:t>2018/12/16</a:t>
+              <a:t>2018/12/20</a:t>
             </a:fld>
             <a:endParaRPr kumimoji="1" lang="ja-JP" altLang="en-US"/>
           </a:p>
@@ -3857,7 +3857,7 @@
           <a:p>
             <a:fld id="{1C3C70B0-0559-0F4F-8048-C5720087C2AE}" type="datetime1">
               <a:rPr kumimoji="1" lang="ja-JP" altLang="en-US" smtClean="0"/>
-              <a:t>2018/12/16</a:t>
+              <a:t>2018/12/20</a:t>
             </a:fld>
             <a:endParaRPr kumimoji="1" lang="ja-JP" altLang="en-US"/>
           </a:p>
@@ -6783,10 +6783,10 @@
       </p:grpSpPr>
       <p:sp>
         <p:nvSpPr>
-          <p:cNvPr id="8" name="正方形/長方形 7">
-            <a:extLst>
-              <a:ext uri="{FF2B5EF4-FFF2-40B4-BE49-F238E27FC236}">
-                <a16:creationId xmlns:a16="http://schemas.microsoft.com/office/drawing/2014/main" id="{416F7EE1-1233-C94F-8279-B50EA914C385}"/>
+          <p:cNvPr id="6" name="正方形/長方形 5">
+            <a:extLst>
+              <a:ext uri="{FF2B5EF4-FFF2-40B4-BE49-F238E27FC236}">
+                <a16:creationId xmlns:a16="http://schemas.microsoft.com/office/drawing/2014/main" id="{CFB3C6B0-FBB0-4F85-BE38-ACCF34C9BC9B}"/>
               </a:ext>
             </a:extLst>
           </p:cNvPr>
@@ -6795,13 +6795,18 @@
         </p:nvSpPr>
         <p:spPr>
           <a:xfrm>
-            <a:off x="421488" y="1423084"/>
-            <a:ext cx="1465622" cy="862131"/>
+            <a:off x="2483768" y="1562354"/>
+            <a:ext cx="2016795" cy="3733291"/>
           </a:xfrm>
           <a:prstGeom prst="rect">
             <a:avLst/>
           </a:prstGeom>
           <a:noFill/>
+          <a:ln>
+            <a:solidFill>
+              <a:schemeClr val="tx1"/>
+            </a:solidFill>
+          </a:ln>
         </p:spPr>
         <p:style>
           <a:lnRef idx="2">
@@ -6828,215 +6833,290 @@
           </a:p>
         </p:txBody>
       </p:sp>
-      <p:cxnSp>
-        <p:nvCxnSpPr>
-          <p:cNvPr id="9" name="直線コネクタ 8">
-            <a:extLst>
-              <a:ext uri="{FF2B5EF4-FFF2-40B4-BE49-F238E27FC236}">
-                <a16:creationId xmlns:a16="http://schemas.microsoft.com/office/drawing/2014/main" id="{FFFB6169-677C-2948-BBED-E27B188B0615}"/>
-              </a:ext>
-            </a:extLst>
-          </p:cNvPr>
-          <p:cNvCxnSpPr>
-            <a:cxnSpLocks/>
-          </p:cNvCxnSpPr>
+      <p:sp>
+        <p:nvSpPr>
+          <p:cNvPr id="16" name="楕円 15">
+            <a:extLst>
+              <a:ext uri="{FF2B5EF4-FFF2-40B4-BE49-F238E27FC236}">
+                <a16:creationId xmlns:a16="http://schemas.microsoft.com/office/drawing/2014/main" id="{A70CAEC9-0BE6-46D1-99EF-13CC4F6C9EBA}"/>
+              </a:ext>
+            </a:extLst>
+          </p:cNvPr>
+          <p:cNvSpPr/>
           <p:nvPr/>
-        </p:nvCxnSpPr>
+        </p:nvSpPr>
         <p:spPr>
           <a:xfrm>
-            <a:off x="680127" y="2076005"/>
-            <a:ext cx="258639" cy="0"/>
+            <a:off x="2053249" y="2760743"/>
+            <a:ext cx="830980" cy="830980"/>
           </a:xfrm>
-          <a:prstGeom prst="line">
+          <a:prstGeom prst="ellipse">
             <a:avLst/>
           </a:prstGeom>
+          <a:solidFill>
+            <a:schemeClr val="bg1"/>
+          </a:solidFill>
+          <a:ln>
+            <a:solidFill>
+              <a:schemeClr val="tx1"/>
+            </a:solidFill>
+          </a:ln>
         </p:spPr>
         <p:style>
-          <a:lnRef idx="1">
-            <a:schemeClr val="accent1"/>
+          <a:lnRef idx="2">
+            <a:schemeClr val="accent1">
+              <a:shade val="50000"/>
+            </a:schemeClr>
           </a:lnRef>
-          <a:fillRef idx="0">
+          <a:fillRef idx="1">
             <a:schemeClr val="accent1"/>
           </a:fillRef>
           <a:effectRef idx="0">
             <a:schemeClr val="accent1"/>
           </a:effectRef>
           <a:fontRef idx="minor">
-            <a:schemeClr val="tx1"/>
+            <a:schemeClr val="lt1"/>
           </a:fontRef>
         </p:style>
-      </p:cxnSp>
-      <p:cxnSp>
-        <p:nvCxnSpPr>
-          <p:cNvPr id="10" name="直線コネクタ 9">
-            <a:extLst>
-              <a:ext uri="{FF2B5EF4-FFF2-40B4-BE49-F238E27FC236}">
-                <a16:creationId xmlns:a16="http://schemas.microsoft.com/office/drawing/2014/main" id="{7420D4E1-BA8D-2B40-8740-1B636A26085A}"/>
-              </a:ext>
-            </a:extLst>
-          </p:cNvPr>
-          <p:cNvCxnSpPr>
-            <a:cxnSpLocks/>
-          </p:cNvCxnSpPr>
+        <p:txBody>
+          <a:bodyPr rtlCol="0" anchor="ctr"/>
+          <a:lstStyle/>
+          <a:p>
+            <a:pPr algn="ctr"/>
+            <a:endParaRPr kumimoji="1" lang="ja-JP" altLang="en-US"/>
+          </a:p>
+        </p:txBody>
+      </p:sp>
+      <p:grpSp>
+        <p:nvGrpSpPr>
+          <p:cNvPr id="17" name="グループ化 16">
+            <a:extLst>
+              <a:ext uri="{FF2B5EF4-FFF2-40B4-BE49-F238E27FC236}">
+                <a16:creationId xmlns:a16="http://schemas.microsoft.com/office/drawing/2014/main" id="{856F995D-F960-4E49-8086-8DD43842C0C1}"/>
+              </a:ext>
+            </a:extLst>
+          </p:cNvPr>
+          <p:cNvGrpSpPr/>
           <p:nvPr/>
-        </p:nvCxnSpPr>
+        </p:nvGrpSpPr>
+        <p:grpSpPr>
+          <a:xfrm>
+            <a:off x="2219701" y="2951282"/>
+            <a:ext cx="498075" cy="444447"/>
+            <a:chOff x="1994568" y="2951282"/>
+            <a:chExt cx="948343" cy="444447"/>
+          </a:xfrm>
+        </p:grpSpPr>
+        <p:cxnSp>
+          <p:nvCxnSpPr>
+            <p:cNvPr id="8" name="直線コネクタ 7">
+              <a:extLst>
+                <a:ext uri="{FF2B5EF4-FFF2-40B4-BE49-F238E27FC236}">
+                  <a16:creationId xmlns:a16="http://schemas.microsoft.com/office/drawing/2014/main" id="{A4F59A11-99C3-4DA4-855E-230238F64629}"/>
+                </a:ext>
+              </a:extLst>
+            </p:cNvPr>
+            <p:cNvCxnSpPr>
+              <a:cxnSpLocks/>
+            </p:cNvCxnSpPr>
+            <p:nvPr/>
+          </p:nvCxnSpPr>
+          <p:spPr>
+            <a:xfrm>
+              <a:off x="1994568" y="3395729"/>
+              <a:ext cx="258639" cy="0"/>
+            </a:xfrm>
+            <a:prstGeom prst="line">
+              <a:avLst/>
+            </a:prstGeom>
+          </p:spPr>
+          <p:style>
+            <a:lnRef idx="1">
+              <a:schemeClr val="accent1"/>
+            </a:lnRef>
+            <a:fillRef idx="0">
+              <a:schemeClr val="accent1"/>
+            </a:fillRef>
+            <a:effectRef idx="0">
+              <a:schemeClr val="accent1"/>
+            </a:effectRef>
+            <a:fontRef idx="minor">
+              <a:schemeClr val="tx1"/>
+            </a:fontRef>
+          </p:style>
+        </p:cxnSp>
+        <p:cxnSp>
+          <p:nvCxnSpPr>
+            <p:cNvPr id="9" name="直線コネクタ 8">
+              <a:extLst>
+                <a:ext uri="{FF2B5EF4-FFF2-40B4-BE49-F238E27FC236}">
+                  <a16:creationId xmlns:a16="http://schemas.microsoft.com/office/drawing/2014/main" id="{6325581D-1D31-4E03-B2F3-C56CFAC97A82}"/>
+                </a:ext>
+              </a:extLst>
+            </p:cNvPr>
+            <p:cNvCxnSpPr>
+              <a:cxnSpLocks/>
+            </p:cNvCxnSpPr>
+            <p:nvPr/>
+          </p:nvCxnSpPr>
+          <p:spPr>
+            <a:xfrm>
+              <a:off x="2253208" y="2951282"/>
+              <a:ext cx="431065" cy="0"/>
+            </a:xfrm>
+            <a:prstGeom prst="line">
+              <a:avLst/>
+            </a:prstGeom>
+          </p:spPr>
+          <p:style>
+            <a:lnRef idx="1">
+              <a:schemeClr val="accent1"/>
+            </a:lnRef>
+            <a:fillRef idx="0">
+              <a:schemeClr val="accent1"/>
+            </a:fillRef>
+            <a:effectRef idx="0">
+              <a:schemeClr val="accent1"/>
+            </a:effectRef>
+            <a:fontRef idx="minor">
+              <a:schemeClr val="tx1"/>
+            </a:fontRef>
+          </p:style>
+        </p:cxnSp>
+        <p:cxnSp>
+          <p:nvCxnSpPr>
+            <p:cNvPr id="10" name="直線コネクタ 9">
+              <a:extLst>
+                <a:ext uri="{FF2B5EF4-FFF2-40B4-BE49-F238E27FC236}">
+                  <a16:creationId xmlns:a16="http://schemas.microsoft.com/office/drawing/2014/main" id="{D840FB2E-BEF8-4B19-9DAA-11008495CC9F}"/>
+                </a:ext>
+              </a:extLst>
+            </p:cNvPr>
+            <p:cNvCxnSpPr>
+              <a:cxnSpLocks/>
+            </p:cNvCxnSpPr>
+            <p:nvPr/>
+          </p:nvCxnSpPr>
+          <p:spPr>
+            <a:xfrm flipV="1">
+              <a:off x="2253208" y="2960700"/>
+              <a:ext cx="0" cy="431067"/>
+            </a:xfrm>
+            <a:prstGeom prst="line">
+              <a:avLst/>
+            </a:prstGeom>
+          </p:spPr>
+          <p:style>
+            <a:lnRef idx="1">
+              <a:schemeClr val="accent1"/>
+            </a:lnRef>
+            <a:fillRef idx="0">
+              <a:schemeClr val="accent1"/>
+            </a:fillRef>
+            <a:effectRef idx="0">
+              <a:schemeClr val="accent1"/>
+            </a:effectRef>
+            <a:fontRef idx="minor">
+              <a:schemeClr val="tx1"/>
+            </a:fontRef>
+          </p:style>
+        </p:cxnSp>
+        <p:cxnSp>
+          <p:nvCxnSpPr>
+            <p:cNvPr id="11" name="直線コネクタ 10">
+              <a:extLst>
+                <a:ext uri="{FF2B5EF4-FFF2-40B4-BE49-F238E27FC236}">
+                  <a16:creationId xmlns:a16="http://schemas.microsoft.com/office/drawing/2014/main" id="{01388E39-4F60-418E-B8E6-354AA2B30F3C}"/>
+                </a:ext>
+              </a:extLst>
+            </p:cNvPr>
+            <p:cNvCxnSpPr>
+              <a:cxnSpLocks/>
+            </p:cNvCxnSpPr>
+            <p:nvPr/>
+          </p:nvCxnSpPr>
+          <p:spPr>
+            <a:xfrm flipV="1">
+              <a:off x="2679423" y="2960700"/>
+              <a:ext cx="0" cy="431067"/>
+            </a:xfrm>
+            <a:prstGeom prst="line">
+              <a:avLst/>
+            </a:prstGeom>
+          </p:spPr>
+          <p:style>
+            <a:lnRef idx="1">
+              <a:schemeClr val="accent1"/>
+            </a:lnRef>
+            <a:fillRef idx="0">
+              <a:schemeClr val="accent1"/>
+            </a:fillRef>
+            <a:effectRef idx="0">
+              <a:schemeClr val="accent1"/>
+            </a:effectRef>
+            <a:fontRef idx="minor">
+              <a:schemeClr val="tx1"/>
+            </a:fontRef>
+          </p:style>
+        </p:cxnSp>
+        <p:cxnSp>
+          <p:nvCxnSpPr>
+            <p:cNvPr id="12" name="直線コネクタ 11">
+              <a:extLst>
+                <a:ext uri="{FF2B5EF4-FFF2-40B4-BE49-F238E27FC236}">
+                  <a16:creationId xmlns:a16="http://schemas.microsoft.com/office/drawing/2014/main" id="{2F76FBD5-7B1F-4DCC-BD1B-4009C63C2B66}"/>
+                </a:ext>
+              </a:extLst>
+            </p:cNvPr>
+            <p:cNvCxnSpPr>
+              <a:cxnSpLocks/>
+            </p:cNvCxnSpPr>
+            <p:nvPr/>
+          </p:nvCxnSpPr>
+          <p:spPr>
+            <a:xfrm>
+              <a:off x="2679422" y="3391766"/>
+              <a:ext cx="263489" cy="0"/>
+            </a:xfrm>
+            <a:prstGeom prst="line">
+              <a:avLst/>
+            </a:prstGeom>
+            <a:ln>
+              <a:headEnd type="none"/>
+              <a:tailEnd type="none"/>
+            </a:ln>
+          </p:spPr>
+          <p:style>
+            <a:lnRef idx="1">
+              <a:schemeClr val="accent1"/>
+            </a:lnRef>
+            <a:fillRef idx="0">
+              <a:schemeClr val="accent1"/>
+            </a:fillRef>
+            <a:effectRef idx="0">
+              <a:schemeClr val="accent1"/>
+            </a:effectRef>
+            <a:fontRef idx="minor">
+              <a:schemeClr val="tx1"/>
+            </a:fontRef>
+          </p:style>
+        </p:cxnSp>
+      </p:grpSp>
+      <p:sp>
+        <p:nvSpPr>
+          <p:cNvPr id="13" name="テキスト ボックス 12">
+            <a:extLst>
+              <a:ext uri="{FF2B5EF4-FFF2-40B4-BE49-F238E27FC236}">
+                <a16:creationId xmlns:a16="http://schemas.microsoft.com/office/drawing/2014/main" id="{26BC7FAA-0929-4358-96A7-8B3C63B86A1C}"/>
+              </a:ext>
+            </a:extLst>
+          </p:cNvPr>
+          <p:cNvSpPr txBox="1"/>
+          <p:nvPr/>
+        </p:nvSpPr>
         <p:spPr>
           <a:xfrm>
-            <a:off x="938767" y="1631558"/>
-            <a:ext cx="431065" cy="0"/>
-          </a:xfrm>
-          <a:prstGeom prst="line">
-            <a:avLst/>
-          </a:prstGeom>
-        </p:spPr>
-        <p:style>
-          <a:lnRef idx="1">
-            <a:schemeClr val="accent1"/>
-          </a:lnRef>
-          <a:fillRef idx="0">
-            <a:schemeClr val="accent1"/>
-          </a:fillRef>
-          <a:effectRef idx="0">
-            <a:schemeClr val="accent1"/>
-          </a:effectRef>
-          <a:fontRef idx="minor">
-            <a:schemeClr val="tx1"/>
-          </a:fontRef>
-        </p:style>
-      </p:cxnSp>
-      <p:cxnSp>
-        <p:nvCxnSpPr>
-          <p:cNvPr id="11" name="直線コネクタ 10">
-            <a:extLst>
-              <a:ext uri="{FF2B5EF4-FFF2-40B4-BE49-F238E27FC236}">
-                <a16:creationId xmlns:a16="http://schemas.microsoft.com/office/drawing/2014/main" id="{E8CE60F0-9A95-FE43-A226-FFDEBB70F90B}"/>
-              </a:ext>
-            </a:extLst>
-          </p:cNvPr>
-          <p:cNvCxnSpPr>
-            <a:cxnSpLocks/>
-          </p:cNvCxnSpPr>
-          <p:nvPr/>
-        </p:nvCxnSpPr>
-        <p:spPr>
-          <a:xfrm flipV="1">
-            <a:off x="938767" y="1640976"/>
-            <a:ext cx="0" cy="431067"/>
-          </a:xfrm>
-          <a:prstGeom prst="line">
-            <a:avLst/>
-          </a:prstGeom>
-        </p:spPr>
-        <p:style>
-          <a:lnRef idx="1">
-            <a:schemeClr val="accent1"/>
-          </a:lnRef>
-          <a:fillRef idx="0">
-            <a:schemeClr val="accent1"/>
-          </a:fillRef>
-          <a:effectRef idx="0">
-            <a:schemeClr val="accent1"/>
-          </a:effectRef>
-          <a:fontRef idx="minor">
-            <a:schemeClr val="tx1"/>
-          </a:fontRef>
-        </p:style>
-      </p:cxnSp>
-      <p:cxnSp>
-        <p:nvCxnSpPr>
-          <p:cNvPr id="12" name="直線コネクタ 11">
-            <a:extLst>
-              <a:ext uri="{FF2B5EF4-FFF2-40B4-BE49-F238E27FC236}">
-                <a16:creationId xmlns:a16="http://schemas.microsoft.com/office/drawing/2014/main" id="{9A270B54-AA9B-DA46-9960-43D0AFF8D47B}"/>
-              </a:ext>
-            </a:extLst>
-          </p:cNvPr>
-          <p:cNvCxnSpPr>
-            <a:cxnSpLocks/>
-          </p:cNvCxnSpPr>
-          <p:nvPr/>
-        </p:nvCxnSpPr>
-        <p:spPr>
-          <a:xfrm flipV="1">
-            <a:off x="1364982" y="1640976"/>
-            <a:ext cx="0" cy="431067"/>
-          </a:xfrm>
-          <a:prstGeom prst="line">
-            <a:avLst/>
-          </a:prstGeom>
-        </p:spPr>
-        <p:style>
-          <a:lnRef idx="1">
-            <a:schemeClr val="accent1"/>
-          </a:lnRef>
-          <a:fillRef idx="0">
-            <a:schemeClr val="accent1"/>
-          </a:fillRef>
-          <a:effectRef idx="0">
-            <a:schemeClr val="accent1"/>
-          </a:effectRef>
-          <a:fontRef idx="minor">
-            <a:schemeClr val="tx1"/>
-          </a:fontRef>
-        </p:style>
-      </p:cxnSp>
-      <p:cxnSp>
-        <p:nvCxnSpPr>
-          <p:cNvPr id="13" name="直線コネクタ 12">
-            <a:extLst>
-              <a:ext uri="{FF2B5EF4-FFF2-40B4-BE49-F238E27FC236}">
-                <a16:creationId xmlns:a16="http://schemas.microsoft.com/office/drawing/2014/main" id="{5C1D353D-9239-A642-9ECD-447CFF85B20E}"/>
-              </a:ext>
-            </a:extLst>
-          </p:cNvPr>
-          <p:cNvCxnSpPr>
-            <a:cxnSpLocks/>
-          </p:cNvCxnSpPr>
-          <p:nvPr/>
-        </p:nvCxnSpPr>
-        <p:spPr>
-          <a:xfrm>
-            <a:off x="1364982" y="2072042"/>
-            <a:ext cx="263489" cy="0"/>
-          </a:xfrm>
-          <a:prstGeom prst="line">
-            <a:avLst/>
-          </a:prstGeom>
-          <a:ln>
-            <a:headEnd type="none"/>
-            <a:tailEnd type="none"/>
-          </a:ln>
-        </p:spPr>
-        <p:style>
-          <a:lnRef idx="1">
-            <a:schemeClr val="accent1"/>
-          </a:lnRef>
-          <a:fillRef idx="0">
-            <a:schemeClr val="accent1"/>
-          </a:fillRef>
-          <a:effectRef idx="0">
-            <a:schemeClr val="accent1"/>
-          </a:effectRef>
-          <a:fontRef idx="minor">
-            <a:schemeClr val="tx1"/>
-          </a:fontRef>
-        </p:style>
-      </p:cxnSp>
-      <p:sp>
-        <p:nvSpPr>
-          <p:cNvPr id="14" name="テキスト ボックス 13">
-            <a:extLst>
-              <a:ext uri="{FF2B5EF4-FFF2-40B4-BE49-F238E27FC236}">
-                <a16:creationId xmlns:a16="http://schemas.microsoft.com/office/drawing/2014/main" id="{AEA76CE8-FDFA-774F-B8A8-DE9DBB4D1F3D}"/>
-              </a:ext>
-            </a:extLst>
-          </p:cNvPr>
-          <p:cNvSpPr txBox="1"/>
-          <p:nvPr/>
-        </p:nvSpPr>
-        <p:spPr>
-          <a:xfrm>
-            <a:off x="449248" y="2253292"/>
+            <a:off x="771463" y="2948179"/>
             <a:ext cx="1810475" cy="830997"/>
           </a:xfrm>
           <a:prstGeom prst="rect">
@@ -7077,50 +7157,12 @@
           </a:p>
         </p:txBody>
       </p:sp>
-      <p:cxnSp>
-        <p:nvCxnSpPr>
-          <p:cNvPr id="15" name="直線コネクタ 14">
-            <a:extLst>
-              <a:ext uri="{FF2B5EF4-FFF2-40B4-BE49-F238E27FC236}">
-                <a16:creationId xmlns:a16="http://schemas.microsoft.com/office/drawing/2014/main" id="{2C322918-D254-A44F-B44A-99917653D3CA}"/>
-              </a:ext>
-            </a:extLst>
-          </p:cNvPr>
-          <p:cNvCxnSpPr>
-            <a:cxnSpLocks/>
-          </p:cNvCxnSpPr>
-          <p:nvPr/>
-        </p:nvCxnSpPr>
-        <p:spPr>
-          <a:xfrm flipV="1">
-            <a:off x="1871553" y="1636536"/>
-            <a:ext cx="3706504" cy="37144"/>
-          </a:xfrm>
-          <a:prstGeom prst="line">
-            <a:avLst/>
-          </a:prstGeom>
-        </p:spPr>
-        <p:style>
-          <a:lnRef idx="1">
-            <a:schemeClr val="accent1"/>
-          </a:lnRef>
-          <a:fillRef idx="0">
-            <a:schemeClr val="accent1"/>
-          </a:fillRef>
-          <a:effectRef idx="0">
-            <a:schemeClr val="accent1"/>
-          </a:effectRef>
-          <a:fontRef idx="minor">
-            <a:schemeClr val="tx1"/>
-          </a:fontRef>
-        </p:style>
-      </p:cxnSp>
       <p:grpSp>
         <p:nvGrpSpPr>
-          <p:cNvPr id="17" name="グループ化 16">
-            <a:extLst>
-              <a:ext uri="{FF2B5EF4-FFF2-40B4-BE49-F238E27FC236}">
-                <a16:creationId xmlns:a16="http://schemas.microsoft.com/office/drawing/2014/main" id="{AB7FFB68-4588-F449-8047-1F23A0EB2C45}"/>
+          <p:cNvPr id="18" name="グループ化 17">
+            <a:extLst>
+              <a:ext uri="{FF2B5EF4-FFF2-40B4-BE49-F238E27FC236}">
+                <a16:creationId xmlns:a16="http://schemas.microsoft.com/office/drawing/2014/main" id="{B94637B7-A670-40BF-896B-FC609C05723F}"/>
               </a:ext>
             </a:extLst>
           </p:cNvPr>
@@ -7129,7 +7171,7 @@
         </p:nvGrpSpPr>
         <p:grpSpPr>
           <a:xfrm>
-            <a:off x="6112013" y="1728807"/>
+            <a:off x="4874432" y="3087213"/>
             <a:ext cx="469427" cy="178039"/>
             <a:chOff x="611702" y="2175057"/>
             <a:chExt cx="955661" cy="508744"/>
@@ -7137,10 +7179,10 @@
         </p:grpSpPr>
         <p:cxnSp>
           <p:nvCxnSpPr>
-            <p:cNvPr id="29" name="直線コネクタ 28">
+            <p:cNvPr id="19" name="直線コネクタ 18">
               <a:extLst>
                 <a:ext uri="{FF2B5EF4-FFF2-40B4-BE49-F238E27FC236}">
-                  <a16:creationId xmlns:a16="http://schemas.microsoft.com/office/drawing/2014/main" id="{78B9C4A5-E4C8-274B-917D-348D317521A4}"/>
+                  <a16:creationId xmlns:a16="http://schemas.microsoft.com/office/drawing/2014/main" id="{D74B8F1A-55FA-4366-A8C0-8A059C4D1ADE}"/>
                 </a:ext>
               </a:extLst>
             </p:cNvPr>
@@ -7173,10 +7215,10 @@
         </p:cxnSp>
         <p:cxnSp>
           <p:nvCxnSpPr>
-            <p:cNvPr id="30" name="直線コネクタ 29">
+            <p:cNvPr id="20" name="直線コネクタ 19">
               <a:extLst>
                 <a:ext uri="{FF2B5EF4-FFF2-40B4-BE49-F238E27FC236}">
-                  <a16:creationId xmlns:a16="http://schemas.microsoft.com/office/drawing/2014/main" id="{8FEC811A-67AE-7044-ADD4-BF624E11D372}"/>
+                  <a16:creationId xmlns:a16="http://schemas.microsoft.com/office/drawing/2014/main" id="{5CB00E7E-80A0-493D-AC77-0CF84335AED9}"/>
                 </a:ext>
               </a:extLst>
             </p:cNvPr>
@@ -7211,10 +7253,10 @@
         </p:cxnSp>
         <p:cxnSp>
           <p:nvCxnSpPr>
-            <p:cNvPr id="31" name="直線コネクタ 30">
+            <p:cNvPr id="21" name="直線コネクタ 20">
               <a:extLst>
                 <a:ext uri="{FF2B5EF4-FFF2-40B4-BE49-F238E27FC236}">
-                  <a16:creationId xmlns:a16="http://schemas.microsoft.com/office/drawing/2014/main" id="{6EB8807F-8C2F-A54B-8832-B24C9F73A65A}"/>
+                  <a16:creationId xmlns:a16="http://schemas.microsoft.com/office/drawing/2014/main" id="{67AB89B5-42C9-4FBD-ACFD-8DF9A3313471}"/>
                 </a:ext>
               </a:extLst>
             </p:cNvPr>
@@ -7251,49 +7293,151 @@
       </p:grpSp>
       <p:sp>
         <p:nvSpPr>
-          <p:cNvPr id="18" name="テキスト ボックス 17">
-            <a:extLst>
-              <a:ext uri="{FF2B5EF4-FFF2-40B4-BE49-F238E27FC236}">
-                <a16:creationId xmlns:a16="http://schemas.microsoft.com/office/drawing/2014/main" id="{BAF8D6AD-BC76-0D42-960F-54A3CB4F3999}"/>
-              </a:ext>
-            </a:extLst>
-          </p:cNvPr>
-          <p:cNvSpPr txBox="1"/>
+          <p:cNvPr id="22" name="三角形 41">
+            <a:extLst>
+              <a:ext uri="{FF2B5EF4-FFF2-40B4-BE49-F238E27FC236}">
+                <a16:creationId xmlns:a16="http://schemas.microsoft.com/office/drawing/2014/main" id="{7B32E247-2A10-451B-9D19-2B193F374135}"/>
+              </a:ext>
+            </a:extLst>
+          </p:cNvPr>
+          <p:cNvSpPr/>
+          <p:nvPr/>
+        </p:nvSpPr>
+        <p:spPr>
+          <a:xfrm rot="10800000">
+            <a:off x="4084630" y="2862028"/>
+            <a:ext cx="843401" cy="727069"/>
+          </a:xfrm>
+          <a:prstGeom prst="triangle">
+            <a:avLst/>
+          </a:prstGeom>
+          <a:solidFill>
+            <a:schemeClr val="bg1"/>
+          </a:solidFill>
+        </p:spPr>
+        <p:style>
+          <a:lnRef idx="2">
+            <a:schemeClr val="accent1">
+              <a:shade val="50000"/>
+            </a:schemeClr>
+          </a:lnRef>
+          <a:fillRef idx="1">
+            <a:schemeClr val="accent1"/>
+          </a:fillRef>
+          <a:effectRef idx="0">
+            <a:schemeClr val="accent1"/>
+          </a:effectRef>
+          <a:fontRef idx="minor">
+            <a:schemeClr val="lt1"/>
+          </a:fontRef>
+        </p:style>
+        <p:txBody>
+          <a:bodyPr rtlCol="0" anchor="ctr"/>
+          <a:lstStyle/>
+          <a:p>
+            <a:pPr algn="ctr"/>
+            <a:endParaRPr kumimoji="1" lang="ja-JP" altLang="en-US"/>
+          </a:p>
+        </p:txBody>
+      </p:sp>
+      <p:cxnSp>
+        <p:nvCxnSpPr>
+          <p:cNvPr id="23" name="直線コネクタ 22">
+            <a:extLst>
+              <a:ext uri="{FF2B5EF4-FFF2-40B4-BE49-F238E27FC236}">
+                <a16:creationId xmlns:a16="http://schemas.microsoft.com/office/drawing/2014/main" id="{E454CE33-3916-44BD-8ACC-EA99441D510A}"/>
+              </a:ext>
+            </a:extLst>
+          </p:cNvPr>
+          <p:cNvCxnSpPr/>
+          <p:nvPr/>
+        </p:nvCxnSpPr>
+        <p:spPr>
+          <a:xfrm rot="10800000">
+            <a:off x="4043674" y="3591723"/>
+            <a:ext cx="913778" cy="0"/>
+          </a:xfrm>
+          <a:prstGeom prst="line">
+            <a:avLst/>
+          </a:prstGeom>
+        </p:spPr>
+        <p:style>
+          <a:lnRef idx="1">
+            <a:schemeClr val="accent1"/>
+          </a:lnRef>
+          <a:fillRef idx="0">
+            <a:schemeClr val="accent1"/>
+          </a:fillRef>
+          <a:effectRef idx="0">
+            <a:schemeClr val="accent1"/>
+          </a:effectRef>
+          <a:fontRef idx="minor">
+            <a:schemeClr val="tx1"/>
+          </a:fontRef>
+        </p:style>
+      </p:cxnSp>
+      <p:sp>
+        <p:nvSpPr>
+          <p:cNvPr id="24" name="正方形/長方形 23">
+            <a:extLst>
+              <a:ext uri="{FF2B5EF4-FFF2-40B4-BE49-F238E27FC236}">
+                <a16:creationId xmlns:a16="http://schemas.microsoft.com/office/drawing/2014/main" id="{DA61C175-180D-450F-882E-4DE0CB0A751A}"/>
+              </a:ext>
+            </a:extLst>
+          </p:cNvPr>
+          <p:cNvSpPr/>
           <p:nvPr/>
         </p:nvSpPr>
         <p:spPr>
           <a:xfrm>
-            <a:off x="4553159" y="2303126"/>
-            <a:ext cx="2192046" cy="276999"/>
+            <a:off x="2814664" y="5113879"/>
+            <a:ext cx="1379409" cy="363532"/>
           </a:xfrm>
           <a:prstGeom prst="rect">
             <a:avLst/>
           </a:prstGeom>
-          <a:noFill/>
+          <a:solidFill>
+            <a:schemeClr val="bg1"/>
+          </a:solidFill>
         </p:spPr>
-        <p:txBody>
-          <a:bodyPr wrap="square" rtlCol="0">
-            <a:spAutoFit/>
-          </a:bodyPr>
+        <p:style>
+          <a:lnRef idx="2">
+            <a:schemeClr val="accent1">
+              <a:shade val="50000"/>
+            </a:schemeClr>
+          </a:lnRef>
+          <a:fillRef idx="1">
+            <a:schemeClr val="accent1"/>
+          </a:fillRef>
+          <a:effectRef idx="0">
+            <a:schemeClr val="accent1"/>
+          </a:effectRef>
+          <a:fontRef idx="minor">
+            <a:schemeClr val="lt1"/>
+          </a:fontRef>
+        </p:style>
+        <p:txBody>
+          <a:bodyPr rtlCol="0" anchor="ctr"/>
           <a:lstStyle/>
           <a:p>
-            <a:r>
-              <a:rPr lang="en-US" altLang="ja-JP" sz="1200" dirty="0"/>
-              <a:t>S</a:t>
-            </a:r>
-            <a:r>
-              <a:rPr kumimoji="1" lang="en-US" altLang="ja-JP" sz="1200" dirty="0"/>
-              <a:t>ample</a:t>
-            </a:r>
-          </a:p>
-        </p:txBody>
-      </p:sp>
-      <p:sp>
-        <p:nvSpPr>
-          <p:cNvPr id="19" name="正方形/長方形 18">
-            <a:extLst>
-              <a:ext uri="{FF2B5EF4-FFF2-40B4-BE49-F238E27FC236}">
-                <a16:creationId xmlns:a16="http://schemas.microsoft.com/office/drawing/2014/main" id="{41C29B58-5B27-0542-81E7-A1ACE5767D64}"/>
+            <a:pPr algn="ctr"/>
+            <a:r>
+              <a:rPr kumimoji="1" lang="ja-JP" altLang="en-US" dirty="0">
+                <a:solidFill>
+                  <a:schemeClr val="tx1"/>
+                </a:solidFill>
+              </a:rPr>
+              <a:t>抵抗</a:t>
+            </a:r>
+          </a:p>
+        </p:txBody>
+      </p:sp>
+      <p:sp>
+        <p:nvSpPr>
+          <p:cNvPr id="25" name="正方形/長方形 24">
+            <a:extLst>
+              <a:ext uri="{FF2B5EF4-FFF2-40B4-BE49-F238E27FC236}">
+                <a16:creationId xmlns:a16="http://schemas.microsoft.com/office/drawing/2014/main" id="{FACDF452-C719-4962-9579-7D8BC0506A75}"/>
               </a:ext>
             </a:extLst>
           </p:cNvPr>
@@ -7302,8 +7446,8 @@
         </p:nvSpPr>
         <p:spPr>
           <a:xfrm>
-            <a:off x="6660232" y="1440996"/>
-            <a:ext cx="2660250" cy="862131"/>
+            <a:off x="5449972" y="2832546"/>
+            <a:ext cx="2292074" cy="862131"/>
           </a:xfrm>
           <a:prstGeom prst="rect">
             <a:avLst/>
@@ -7349,10 +7493,10 @@
       </p:sp>
       <p:sp>
         <p:nvSpPr>
-          <p:cNvPr id="20" name="テキスト ボックス 19">
-            <a:extLst>
-              <a:ext uri="{FF2B5EF4-FFF2-40B4-BE49-F238E27FC236}">
-                <a16:creationId xmlns:a16="http://schemas.microsoft.com/office/drawing/2014/main" id="{67DF5C81-55FD-9946-9259-34D9980DF17D}"/>
+          <p:cNvPr id="26" name="テキスト ボックス 25">
+            <a:extLst>
+              <a:ext uri="{FF2B5EF4-FFF2-40B4-BE49-F238E27FC236}">
+                <a16:creationId xmlns:a16="http://schemas.microsoft.com/office/drawing/2014/main" id="{60E6AE12-763B-49FE-9EEB-C78D775A6DDC}"/>
               </a:ext>
             </a:extLst>
           </p:cNvPr>
@@ -7361,7 +7505,7 @@
         </p:nvSpPr>
         <p:spPr>
           <a:xfrm>
-            <a:off x="7240856" y="2268237"/>
+            <a:off x="6030596" y="3659787"/>
             <a:ext cx="2192046" cy="646331"/>
           </a:xfrm>
           <a:prstGeom prst="rect">
@@ -7395,10 +7539,10 @@
       </p:sp>
       <p:grpSp>
         <p:nvGrpSpPr>
-          <p:cNvPr id="21" name="グループ化 20">
-            <a:extLst>
-              <a:ext uri="{FF2B5EF4-FFF2-40B4-BE49-F238E27FC236}">
-                <a16:creationId xmlns:a16="http://schemas.microsoft.com/office/drawing/2014/main" id="{60E88A76-6808-A549-964E-38571191FBC7}"/>
+          <p:cNvPr id="27" name="グループ化 26">
+            <a:extLst>
+              <a:ext uri="{FF2B5EF4-FFF2-40B4-BE49-F238E27FC236}">
+                <a16:creationId xmlns:a16="http://schemas.microsoft.com/office/drawing/2014/main" id="{29AC2666-5C89-4670-A64C-1D80737858CE}"/>
               </a:ext>
             </a:extLst>
           </p:cNvPr>
@@ -7407,7 +7551,7 @@
         </p:nvGrpSpPr>
         <p:grpSpPr>
           <a:xfrm>
-            <a:off x="3976365" y="1138798"/>
+            <a:off x="3217063" y="869145"/>
             <a:ext cx="439121" cy="444447"/>
             <a:chOff x="1634843" y="916093"/>
             <a:chExt cx="792088" cy="371217"/>
@@ -7415,10 +7559,10 @@
         </p:grpSpPr>
         <p:cxnSp>
           <p:nvCxnSpPr>
-            <p:cNvPr id="24" name="直線コネクタ 23">
+            <p:cNvPr id="28" name="直線コネクタ 27">
               <a:extLst>
                 <a:ext uri="{FF2B5EF4-FFF2-40B4-BE49-F238E27FC236}">
-                  <a16:creationId xmlns:a16="http://schemas.microsoft.com/office/drawing/2014/main" id="{17306959-BAAC-4E4D-9AE8-866A1AE7B3A8}"/>
+                  <a16:creationId xmlns:a16="http://schemas.microsoft.com/office/drawing/2014/main" id="{46C668B3-2A1A-487F-9FD9-035AB58B203D}"/>
                 </a:ext>
               </a:extLst>
             </p:cNvPr>
@@ -7453,10 +7597,10 @@
         </p:cxnSp>
         <p:cxnSp>
           <p:nvCxnSpPr>
-            <p:cNvPr id="25" name="直線コネクタ 24">
+            <p:cNvPr id="29" name="直線コネクタ 28">
               <a:extLst>
                 <a:ext uri="{FF2B5EF4-FFF2-40B4-BE49-F238E27FC236}">
-                  <a16:creationId xmlns:a16="http://schemas.microsoft.com/office/drawing/2014/main" id="{C270323B-FE12-EF49-BBAE-6E0A58054A78}"/>
+                  <a16:creationId xmlns:a16="http://schemas.microsoft.com/office/drawing/2014/main" id="{91375583-F8BE-42BD-92E3-64E274437C40}"/>
                 </a:ext>
               </a:extLst>
             </p:cNvPr>
@@ -7491,10 +7635,10 @@
         </p:cxnSp>
         <p:cxnSp>
           <p:nvCxnSpPr>
-            <p:cNvPr id="26" name="直線コネクタ 25">
+            <p:cNvPr id="30" name="直線コネクタ 29">
               <a:extLst>
                 <a:ext uri="{FF2B5EF4-FFF2-40B4-BE49-F238E27FC236}">
-                  <a16:creationId xmlns:a16="http://schemas.microsoft.com/office/drawing/2014/main" id="{2181C691-DE87-3546-856C-093882BD281C}"/>
+                  <a16:creationId xmlns:a16="http://schemas.microsoft.com/office/drawing/2014/main" id="{F2125565-B5A4-4766-8888-9232C90B91D8}"/>
                 </a:ext>
               </a:extLst>
             </p:cNvPr>
@@ -7529,10 +7673,10 @@
         </p:cxnSp>
         <p:cxnSp>
           <p:nvCxnSpPr>
-            <p:cNvPr id="27" name="直線コネクタ 26">
+            <p:cNvPr id="31" name="直線コネクタ 30">
               <a:extLst>
                 <a:ext uri="{FF2B5EF4-FFF2-40B4-BE49-F238E27FC236}">
-                  <a16:creationId xmlns:a16="http://schemas.microsoft.com/office/drawing/2014/main" id="{FE314ED2-EF4A-9342-AEEA-E52897BC9E91}"/>
+                  <a16:creationId xmlns:a16="http://schemas.microsoft.com/office/drawing/2014/main" id="{B13BCC27-59B2-427F-A2FF-C9E68C376FDE}"/>
                 </a:ext>
               </a:extLst>
             </p:cNvPr>
@@ -7567,10 +7711,10 @@
         </p:cxnSp>
         <p:cxnSp>
           <p:nvCxnSpPr>
-            <p:cNvPr id="28" name="直線コネクタ 27">
+            <p:cNvPr id="32" name="直線コネクタ 31">
               <a:extLst>
                 <a:ext uri="{FF2B5EF4-FFF2-40B4-BE49-F238E27FC236}">
-                  <a16:creationId xmlns:a16="http://schemas.microsoft.com/office/drawing/2014/main" id="{4DAD31FE-E775-F34B-9515-63D6AF3ACD6F}"/>
+                  <a16:creationId xmlns:a16="http://schemas.microsoft.com/office/drawing/2014/main" id="{EC43438F-EE60-4794-955F-CC73CDB79C4A}"/>
                 </a:ext>
               </a:extLst>
             </p:cNvPr>
@@ -7610,10 +7754,10 @@
       </p:grpSp>
       <p:cxnSp>
         <p:nvCxnSpPr>
-          <p:cNvPr id="22" name="直線矢印コネクタ 21">
-            <a:extLst>
-              <a:ext uri="{FF2B5EF4-FFF2-40B4-BE49-F238E27FC236}">
-                <a16:creationId xmlns:a16="http://schemas.microsoft.com/office/drawing/2014/main" id="{50EF7FE5-71B6-8844-A304-E68CFDD6E3F5}"/>
+          <p:cNvPr id="33" name="直線矢印コネクタ 32">
+            <a:extLst>
+              <a:ext uri="{FF2B5EF4-FFF2-40B4-BE49-F238E27FC236}">
+                <a16:creationId xmlns:a16="http://schemas.microsoft.com/office/drawing/2014/main" id="{BE28FCFF-788E-416A-B29E-28336EFC6BE2}"/>
               </a:ext>
             </a:extLst>
           </p:cNvPr>
@@ -7622,7 +7766,7 @@
         </p:nvCxnSpPr>
         <p:spPr>
           <a:xfrm>
-            <a:off x="4026640" y="1021272"/>
+            <a:off x="3239422" y="1412776"/>
             <a:ext cx="416762" cy="0"/>
           </a:xfrm>
           <a:prstGeom prst="straightConnector1">
@@ -7649,10 +7793,10 @@
       </p:cxnSp>
       <p:sp>
         <p:nvSpPr>
-          <p:cNvPr id="23" name="テキスト ボックス 22">
-            <a:extLst>
-              <a:ext uri="{FF2B5EF4-FFF2-40B4-BE49-F238E27FC236}">
-                <a16:creationId xmlns:a16="http://schemas.microsoft.com/office/drawing/2014/main" id="{FC7BA6F0-3BAA-1941-A760-3F52B1CB6B22}"/>
+          <p:cNvPr id="34" name="テキスト ボックス 33">
+            <a:extLst>
+              <a:ext uri="{FF2B5EF4-FFF2-40B4-BE49-F238E27FC236}">
+                <a16:creationId xmlns:a16="http://schemas.microsoft.com/office/drawing/2014/main" id="{F6C21108-3407-4000-9E9E-8DB191F2E9BF}"/>
               </a:ext>
             </a:extLst>
           </p:cNvPr>
@@ -7661,7 +7805,7 @@
         </p:nvSpPr>
         <p:spPr>
           <a:xfrm>
-            <a:off x="1754568" y="657121"/>
+            <a:off x="2732578" y="407480"/>
             <a:ext cx="2429624" cy="461665"/>
           </a:xfrm>
           <a:prstGeom prst="rect">
@@ -7681,338 +7825,45 @@
             </a:r>
             <a:r>
               <a:rPr kumimoji="1" lang="en-US" altLang="ja-JP" sz="1200" dirty="0"/>
-              <a:t>: 1.0us</a:t>
+              <a:t>: </a:t>
+            </a:r>
+            <a:r>
+              <a:rPr lang="ja-JP" altLang="en-US" sz="1200" dirty="0"/>
+              <a:t>数</a:t>
+            </a:r>
+            <a:r>
+              <a:rPr kumimoji="1" lang="en-US" altLang="ja-JP" sz="1200" dirty="0"/>
+              <a:t>us</a:t>
             </a:r>
           </a:p>
           <a:p>
             <a:r>
               <a:rPr kumimoji="1" lang="ja-JP" altLang="en-US" sz="1200" dirty="0"/>
-              <a:t>周期 </a:t>
+              <a:t>繰り返し周期 </a:t>
             </a:r>
             <a:r>
               <a:rPr kumimoji="1" lang="en-US" altLang="ja-JP" sz="1200" dirty="0"/>
-              <a:t>: 2.0ms</a:t>
-            </a:r>
-            <a:r>
-              <a:rPr kumimoji="1" lang="ja-JP" altLang="en-US" sz="1200"/>
+              <a:t>: </a:t>
+            </a:r>
+            <a:r>
+              <a:rPr lang="ja-JP" altLang="en-US" sz="1200" dirty="0"/>
+              <a:t>数</a:t>
+            </a:r>
+            <a:r>
+              <a:rPr kumimoji="1" lang="en-US" altLang="ja-JP" sz="1200" dirty="0" err="1"/>
+              <a:t>ms</a:t>
+            </a:r>
+            <a:r>
+              <a:rPr kumimoji="1" lang="ja-JP" altLang="en-US" sz="1200" dirty="0"/>
               <a:t> </a:t>
             </a:r>
-            <a:r>
-              <a:rPr kumimoji="1" lang="en-US" altLang="ja-JP" sz="1200" dirty="0"/>
-              <a:t>Duty </a:t>
-            </a:r>
-            <a:r>
-              <a:rPr kumimoji="1" lang="ja-JP" altLang="en-US" sz="1200"/>
-              <a:t>比</a:t>
-            </a:r>
-            <a:r>
-              <a:rPr kumimoji="1" lang="en-US" altLang="ja-JP" sz="1200" dirty="0"/>
-              <a:t>(1:2000)</a:t>
-            </a:r>
-            <a:endParaRPr kumimoji="1" lang="ja-JP" altLang="en-US" sz="1200" dirty="0"/>
-          </a:p>
-        </p:txBody>
-      </p:sp>
-      <p:cxnSp>
-        <p:nvCxnSpPr>
-          <p:cNvPr id="38" name="直線コネクタ 37">
-            <a:extLst>
-              <a:ext uri="{FF2B5EF4-FFF2-40B4-BE49-F238E27FC236}">
-                <a16:creationId xmlns:a16="http://schemas.microsoft.com/office/drawing/2014/main" id="{56E5AF5D-2EFE-A049-ACD3-F13F189B7575}"/>
-              </a:ext>
-            </a:extLst>
-          </p:cNvPr>
-          <p:cNvCxnSpPr>
-            <a:cxnSpLocks/>
-          </p:cNvCxnSpPr>
-          <p:nvPr/>
-        </p:nvCxnSpPr>
-        <p:spPr>
-          <a:xfrm>
-            <a:off x="2242908" y="1866428"/>
-            <a:ext cx="0" cy="1449947"/>
-          </a:xfrm>
-          <a:prstGeom prst="line">
-            <a:avLst/>
-          </a:prstGeom>
-        </p:spPr>
-        <p:style>
-          <a:lnRef idx="1">
-            <a:schemeClr val="accent1"/>
-          </a:lnRef>
-          <a:fillRef idx="0">
-            <a:schemeClr val="accent1"/>
-          </a:fillRef>
-          <a:effectRef idx="0">
-            <a:schemeClr val="accent1"/>
-          </a:effectRef>
-          <a:fontRef idx="minor">
-            <a:schemeClr val="tx1"/>
-          </a:fontRef>
-        </p:style>
-      </p:cxnSp>
-      <p:cxnSp>
-        <p:nvCxnSpPr>
-          <p:cNvPr id="39" name="直線コネクタ 38">
-            <a:extLst>
-              <a:ext uri="{FF2B5EF4-FFF2-40B4-BE49-F238E27FC236}">
-                <a16:creationId xmlns:a16="http://schemas.microsoft.com/office/drawing/2014/main" id="{DF2AFD36-7BF3-884C-8BD8-1BAC10592567}"/>
-              </a:ext>
-            </a:extLst>
-          </p:cNvPr>
-          <p:cNvCxnSpPr>
-            <a:cxnSpLocks/>
-          </p:cNvCxnSpPr>
-          <p:nvPr/>
-        </p:nvCxnSpPr>
-        <p:spPr>
-          <a:xfrm>
-            <a:off x="5553867" y="1630696"/>
-            <a:ext cx="17266" cy="1669078"/>
-          </a:xfrm>
-          <a:prstGeom prst="line">
-            <a:avLst/>
-          </a:prstGeom>
-        </p:spPr>
-        <p:style>
-          <a:lnRef idx="1">
-            <a:schemeClr val="accent1"/>
-          </a:lnRef>
-          <a:fillRef idx="0">
-            <a:schemeClr val="accent1"/>
-          </a:fillRef>
-          <a:effectRef idx="0">
-            <a:schemeClr val="accent1"/>
-          </a:effectRef>
-          <a:fontRef idx="minor">
-            <a:schemeClr val="tx1"/>
-          </a:fontRef>
-        </p:style>
-      </p:cxnSp>
-      <p:cxnSp>
-        <p:nvCxnSpPr>
-          <p:cNvPr id="40" name="直線コネクタ 39">
-            <a:extLst>
-              <a:ext uri="{FF2B5EF4-FFF2-40B4-BE49-F238E27FC236}">
-                <a16:creationId xmlns:a16="http://schemas.microsoft.com/office/drawing/2014/main" id="{77C3CFB3-D18D-4747-AB65-DA7B4970A87D}"/>
-              </a:ext>
-            </a:extLst>
-          </p:cNvPr>
-          <p:cNvCxnSpPr>
-            <a:cxnSpLocks/>
-          </p:cNvCxnSpPr>
-          <p:nvPr/>
-        </p:nvCxnSpPr>
-        <p:spPr>
-          <a:xfrm flipH="1">
-            <a:off x="2259723" y="3261575"/>
-            <a:ext cx="3333891" cy="38200"/>
-          </a:xfrm>
-          <a:prstGeom prst="line">
-            <a:avLst/>
-          </a:prstGeom>
-        </p:spPr>
-        <p:style>
-          <a:lnRef idx="1">
-            <a:schemeClr val="accent1"/>
-          </a:lnRef>
-          <a:fillRef idx="0">
-            <a:schemeClr val="accent1"/>
-          </a:fillRef>
-          <a:effectRef idx="0">
-            <a:schemeClr val="accent1"/>
-          </a:effectRef>
-          <a:fontRef idx="minor">
-            <a:schemeClr val="tx1"/>
-          </a:fontRef>
-        </p:style>
-      </p:cxnSp>
-      <p:sp>
-        <p:nvSpPr>
-          <p:cNvPr id="36" name="正方形/長方形 35">
-            <a:extLst>
-              <a:ext uri="{FF2B5EF4-FFF2-40B4-BE49-F238E27FC236}">
-                <a16:creationId xmlns:a16="http://schemas.microsoft.com/office/drawing/2014/main" id="{E46E0308-4390-4C4C-9C39-4164D7184A71}"/>
-              </a:ext>
-            </a:extLst>
-          </p:cNvPr>
-          <p:cNvSpPr/>
-          <p:nvPr/>
-        </p:nvSpPr>
-        <p:spPr>
-          <a:xfrm>
-            <a:off x="2563099" y="2870869"/>
-            <a:ext cx="1379409" cy="862131"/>
-          </a:xfrm>
-          <a:prstGeom prst="rect">
-            <a:avLst/>
-          </a:prstGeom>
-          <a:solidFill>
-            <a:schemeClr val="bg1"/>
-          </a:solidFill>
-        </p:spPr>
-        <p:style>
-          <a:lnRef idx="2">
-            <a:schemeClr val="accent1">
-              <a:shade val="50000"/>
-            </a:schemeClr>
-          </a:lnRef>
-          <a:fillRef idx="1">
-            <a:schemeClr val="accent1"/>
-          </a:fillRef>
-          <a:effectRef idx="0">
-            <a:schemeClr val="accent1"/>
-          </a:effectRef>
-          <a:fontRef idx="minor">
-            <a:schemeClr val="lt1"/>
-          </a:fontRef>
-        </p:style>
-        <p:txBody>
-          <a:bodyPr rtlCol="0" anchor="ctr"/>
-          <a:lstStyle/>
-          <a:p>
-            <a:pPr algn="ctr"/>
-            <a:r>
-              <a:rPr kumimoji="1" lang="ja-JP" altLang="en-US">
-                <a:solidFill>
-                  <a:schemeClr val="tx1"/>
-                </a:solidFill>
-              </a:rPr>
-              <a:t>抵抗</a:t>
-            </a:r>
-            <a:endParaRPr kumimoji="1" lang="ja-JP" altLang="en-US" dirty="0">
-              <a:solidFill>
-                <a:schemeClr val="tx1"/>
-              </a:solidFill>
-            </a:endParaRPr>
-          </a:p>
-        </p:txBody>
-      </p:sp>
-      <p:sp>
-        <p:nvSpPr>
-          <p:cNvPr id="42" name="三角形 41">
-            <a:extLst>
-              <a:ext uri="{FF2B5EF4-FFF2-40B4-BE49-F238E27FC236}">
-                <a16:creationId xmlns:a16="http://schemas.microsoft.com/office/drawing/2014/main" id="{A0F3E479-289A-F54F-8D82-58AF9CFC3EDA}"/>
-              </a:ext>
-            </a:extLst>
-          </p:cNvPr>
-          <p:cNvSpPr/>
-          <p:nvPr/>
-        </p:nvSpPr>
-        <p:spPr>
-          <a:xfrm rot="10800000">
-            <a:off x="5140800" y="1817006"/>
-            <a:ext cx="843401" cy="727069"/>
-          </a:xfrm>
-          <a:prstGeom prst="triangle">
-            <a:avLst/>
-          </a:prstGeom>
-          <a:noFill/>
-        </p:spPr>
-        <p:style>
-          <a:lnRef idx="2">
-            <a:schemeClr val="accent1">
-              <a:shade val="50000"/>
-            </a:schemeClr>
-          </a:lnRef>
-          <a:fillRef idx="1">
-            <a:schemeClr val="accent1"/>
-          </a:fillRef>
-          <a:effectRef idx="0">
-            <a:schemeClr val="accent1"/>
-          </a:effectRef>
-          <a:fontRef idx="minor">
-            <a:schemeClr val="lt1"/>
-          </a:fontRef>
-        </p:style>
-        <p:txBody>
-          <a:bodyPr rtlCol="0" anchor="ctr"/>
-          <a:lstStyle/>
-          <a:p>
-            <a:pPr algn="ctr"/>
-            <a:endParaRPr kumimoji="1" lang="ja-JP" altLang="en-US"/>
-          </a:p>
-        </p:txBody>
-      </p:sp>
-      <p:cxnSp>
-        <p:nvCxnSpPr>
-          <p:cNvPr id="44" name="直線コネクタ 43">
-            <a:extLst>
-              <a:ext uri="{FF2B5EF4-FFF2-40B4-BE49-F238E27FC236}">
-                <a16:creationId xmlns:a16="http://schemas.microsoft.com/office/drawing/2014/main" id="{BA2BEEEF-3D1E-1F41-B7DD-A121DAF663AD}"/>
-              </a:ext>
-            </a:extLst>
-          </p:cNvPr>
-          <p:cNvCxnSpPr/>
-          <p:nvPr/>
-        </p:nvCxnSpPr>
-        <p:spPr>
-          <a:xfrm rot="10800000">
-            <a:off x="5105611" y="2557090"/>
-            <a:ext cx="913778" cy="0"/>
-          </a:xfrm>
-          <a:prstGeom prst="line">
-            <a:avLst/>
-          </a:prstGeom>
-        </p:spPr>
-        <p:style>
-          <a:lnRef idx="1">
-            <a:schemeClr val="accent1"/>
-          </a:lnRef>
-          <a:fillRef idx="0">
-            <a:schemeClr val="accent1"/>
-          </a:fillRef>
-          <a:effectRef idx="0">
-            <a:schemeClr val="accent1"/>
-          </a:effectRef>
-          <a:fontRef idx="minor">
-            <a:schemeClr val="tx1"/>
-          </a:fontRef>
-        </p:style>
-      </p:cxnSp>
-      <p:cxnSp>
-        <p:nvCxnSpPr>
-          <p:cNvPr id="50" name="直線コネクタ 49">
-            <a:extLst>
-              <a:ext uri="{FF2B5EF4-FFF2-40B4-BE49-F238E27FC236}">
-                <a16:creationId xmlns:a16="http://schemas.microsoft.com/office/drawing/2014/main" id="{95FEB37B-C7DC-C846-AFD1-0D8D0102E3B5}"/>
-              </a:ext>
-            </a:extLst>
-          </p:cNvPr>
-          <p:cNvCxnSpPr>
-            <a:cxnSpLocks/>
-          </p:cNvCxnSpPr>
-          <p:nvPr/>
-        </p:nvCxnSpPr>
-        <p:spPr>
-          <a:xfrm flipV="1">
-            <a:off x="1931632" y="1855368"/>
-            <a:ext cx="322040" cy="3227"/>
-          </a:xfrm>
-          <a:prstGeom prst="line">
-            <a:avLst/>
-          </a:prstGeom>
-        </p:spPr>
-        <p:style>
-          <a:lnRef idx="1">
-            <a:schemeClr val="accent1"/>
-          </a:lnRef>
-          <a:fillRef idx="0">
-            <a:schemeClr val="accent1"/>
-          </a:fillRef>
-          <a:effectRef idx="0">
-            <a:schemeClr val="accent1"/>
-          </a:effectRef>
-          <a:fontRef idx="minor">
-            <a:schemeClr val="tx1"/>
-          </a:fontRef>
-        </p:style>
-      </p:cxnSp>
+          </a:p>
+        </p:txBody>
+      </p:sp>
     </p:spTree>
     <p:extLst>
       <p:ext uri="{BB962C8B-B14F-4D97-AF65-F5344CB8AC3E}">
-        <p14:creationId xmlns:p14="http://schemas.microsoft.com/office/powerpoint/2010/main" val="4168580768"/>
+        <p14:creationId xmlns:p14="http://schemas.microsoft.com/office/powerpoint/2010/main" val="4244017702"/>
       </p:ext>
     </p:extLst>
   </p:cSld>

--- a/修論/本文/figure/fig_2_2_IL_setup.pptx
+++ b/修論/本文/figure/fig_2_2_IL_setup.pptx
@@ -227,7 +227,7 @@
           <a:p>
             <a:fld id="{78E677E7-82C9-4938-9480-49B5B41335B9}" type="datetimeFigureOut">
               <a:rPr kumimoji="1" lang="ja-JP" altLang="en-US" smtClean="0"/>
-              <a:t>2018/12/20</a:t>
+              <a:t>2018/12/22</a:t>
             </a:fld>
             <a:endParaRPr kumimoji="1" lang="ja-JP" altLang="en-US"/>
           </a:p>
@@ -404,7 +404,7 @@
           <a:p>
             <a:fld id="{3446E738-F900-9D48-A133-DAC01D1B4E24}" type="datetimeFigureOut">
               <a:rPr kumimoji="1" lang="ja-JP" altLang="en-US" smtClean="0"/>
-              <a:t>2018/12/20</a:t>
+              <a:t>2018/12/22</a:t>
             </a:fld>
             <a:endParaRPr kumimoji="1" lang="ja-JP" altLang="en-US"/>
           </a:p>
@@ -909,7 +909,7 @@
           <a:p>
             <a:fld id="{10720FFB-8FD2-0244-8340-A53A1D78DF51}" type="datetime1">
               <a:rPr kumimoji="1" lang="ja-JP" altLang="en-US" smtClean="0"/>
-              <a:t>2018/12/20</a:t>
+              <a:t>2018/12/22</a:t>
             </a:fld>
             <a:endParaRPr kumimoji="1" lang="ja-JP" altLang="en-US"/>
           </a:p>
@@ -1118,7 +1118,7 @@
           <a:p>
             <a:fld id="{CE9D822C-DFC2-9543-907C-72EEC755F3F7}" type="datetime1">
               <a:rPr kumimoji="1" lang="ja-JP" altLang="en-US" smtClean="0"/>
-              <a:t>2018/12/20</a:t>
+              <a:t>2018/12/22</a:t>
             </a:fld>
             <a:endParaRPr kumimoji="1" lang="ja-JP" altLang="en-US"/>
           </a:p>
@@ -1337,7 +1337,7 @@
           <a:p>
             <a:fld id="{C1282F87-C729-5D48-A48C-1DB9AA85DB81}" type="datetime1">
               <a:rPr kumimoji="1" lang="ja-JP" altLang="en-US" smtClean="0"/>
-              <a:t>2018/12/20</a:t>
+              <a:t>2018/12/22</a:t>
             </a:fld>
             <a:endParaRPr kumimoji="1" lang="ja-JP" altLang="en-US"/>
           </a:p>
@@ -1546,7 +1546,7 @@
           <a:p>
             <a:fld id="{89A47EE3-A654-A443-B744-676F7DFE59F9}" type="datetime1">
               <a:rPr kumimoji="1" lang="ja-JP" altLang="en-US" smtClean="0"/>
-              <a:t>2018/12/20</a:t>
+              <a:t>2018/12/22</a:t>
             </a:fld>
             <a:endParaRPr kumimoji="1" lang="ja-JP" altLang="en-US"/>
           </a:p>
@@ -1876,7 +1876,7 @@
           <a:p>
             <a:fld id="{F2FBEC7A-1A8D-3D4F-B579-5908030A237A}" type="datetime1">
               <a:rPr kumimoji="1" lang="ja-JP" altLang="en-US" smtClean="0"/>
-              <a:t>2018/12/20</a:t>
+              <a:t>2018/12/22</a:t>
             </a:fld>
             <a:endParaRPr kumimoji="1" lang="ja-JP" altLang="en-US"/>
           </a:p>
@@ -2159,7 +2159,7 @@
           <a:p>
             <a:fld id="{6F8B8875-4412-2045-A219-43F832D95989}" type="datetime1">
               <a:rPr kumimoji="1" lang="ja-JP" altLang="en-US" smtClean="0"/>
-              <a:t>2018/12/20</a:t>
+              <a:t>2018/12/22</a:t>
             </a:fld>
             <a:endParaRPr kumimoji="1" lang="ja-JP" altLang="en-US"/>
           </a:p>
@@ -2659,7 +2659,7 @@
           <a:p>
             <a:fld id="{9759EF83-A7E8-ED4E-BE3B-B04F4CD47BBB}" type="datetime1">
               <a:rPr kumimoji="1" lang="ja-JP" altLang="en-US" smtClean="0"/>
-              <a:t>2018/12/20</a:t>
+              <a:t>2018/12/22</a:t>
             </a:fld>
             <a:endParaRPr kumimoji="1" lang="ja-JP" altLang="en-US"/>
           </a:p>
@@ -2804,7 +2804,7 @@
           <a:p>
             <a:fld id="{A39236DB-587D-5F41-B6B0-8726D9E83BFC}" type="datetime1">
               <a:rPr kumimoji="1" lang="ja-JP" altLang="en-US" smtClean="0"/>
-              <a:t>2018/12/20</a:t>
+              <a:t>2018/12/22</a:t>
             </a:fld>
             <a:endParaRPr kumimoji="1" lang="ja-JP" altLang="en-US"/>
           </a:p>
@@ -2921,7 +2921,7 @@
           <a:p>
             <a:fld id="{C55BB37D-AE48-DD40-8537-3AADCD4AD14E}" type="datetime1">
               <a:rPr kumimoji="1" lang="ja-JP" altLang="en-US" smtClean="0"/>
-              <a:t>2018/12/20</a:t>
+              <a:t>2018/12/22</a:t>
             </a:fld>
             <a:endParaRPr kumimoji="1" lang="ja-JP" altLang="en-US"/>
           </a:p>
@@ -3278,7 +3278,7 @@
           <a:p>
             <a:fld id="{044A9A96-A761-E544-A252-16B574CAA06A}" type="datetime1">
               <a:rPr kumimoji="1" lang="ja-JP" altLang="en-US" smtClean="0"/>
-              <a:t>2018/12/20</a:t>
+              <a:t>2018/12/22</a:t>
             </a:fld>
             <a:endParaRPr kumimoji="1" lang="ja-JP" altLang="en-US"/>
           </a:p>
@@ -3605,7 +3605,7 @@
           <a:p>
             <a:fld id="{3BF67472-26F2-1445-9318-605606D5DD2C}" type="datetime1">
               <a:rPr kumimoji="1" lang="ja-JP" altLang="en-US" smtClean="0"/>
-              <a:t>2018/12/20</a:t>
+              <a:t>2018/12/22</a:t>
             </a:fld>
             <a:endParaRPr kumimoji="1" lang="ja-JP" altLang="en-US"/>
           </a:p>
@@ -3857,7 +3857,7 @@
           <a:p>
             <a:fld id="{1C3C70B0-0559-0F4F-8048-C5720087C2AE}" type="datetime1">
               <a:rPr kumimoji="1" lang="ja-JP" altLang="en-US" smtClean="0"/>
-              <a:t>2018/12/20</a:t>
+              <a:t>2018/12/22</a:t>
             </a:fld>
             <a:endParaRPr kumimoji="1" lang="ja-JP" altLang="en-US"/>
           </a:p>
@@ -6781,6 +6781,283 @@
           <a:chExt cx="0" cy="0"/>
         </a:xfrm>
       </p:grpSpPr>
+      <p:grpSp>
+        <p:nvGrpSpPr>
+          <p:cNvPr id="5" name="グループ化 4">
+            <a:extLst>
+              <a:ext uri="{FF2B5EF4-FFF2-40B4-BE49-F238E27FC236}">
+                <a16:creationId xmlns:a16="http://schemas.microsoft.com/office/drawing/2014/main" id="{66DDAEAF-927B-8A4E-9007-02FEBEEF6F53}"/>
+              </a:ext>
+            </a:extLst>
+          </p:cNvPr>
+          <p:cNvGrpSpPr/>
+          <p:nvPr/>
+        </p:nvGrpSpPr>
+        <p:grpSpPr>
+          <a:xfrm rot="5400000">
+            <a:off x="-987251" y="2412767"/>
+            <a:ext cx="1721679" cy="1750948"/>
+            <a:chOff x="1526332" y="4429026"/>
+            <a:chExt cx="1887038" cy="1919120"/>
+          </a:xfrm>
+        </p:grpSpPr>
+        <p:sp>
+          <p:nvSpPr>
+            <p:cNvPr id="39" name="正方形/長方形 38">
+              <a:extLst>
+                <a:ext uri="{FF2B5EF4-FFF2-40B4-BE49-F238E27FC236}">
+                  <a16:creationId xmlns:a16="http://schemas.microsoft.com/office/drawing/2014/main" id="{2C938471-C31C-C840-ACD9-EB348629D1BB}"/>
+                </a:ext>
+              </a:extLst>
+            </p:cNvPr>
+            <p:cNvSpPr/>
+            <p:nvPr/>
+          </p:nvSpPr>
+          <p:spPr>
+            <a:xfrm>
+              <a:off x="1556048" y="4458969"/>
+              <a:ext cx="1830465" cy="1199471"/>
+            </a:xfrm>
+            <a:prstGeom prst="rect">
+              <a:avLst/>
+            </a:prstGeom>
+            <a:noFill/>
+            <a:ln>
+              <a:solidFill>
+                <a:schemeClr val="tx1"/>
+              </a:solidFill>
+            </a:ln>
+          </p:spPr>
+          <p:style>
+            <a:lnRef idx="2">
+              <a:schemeClr val="accent1">
+                <a:shade val="50000"/>
+              </a:schemeClr>
+            </a:lnRef>
+            <a:fillRef idx="1">
+              <a:schemeClr val="accent1"/>
+            </a:fillRef>
+            <a:effectRef idx="0">
+              <a:schemeClr val="accent1"/>
+            </a:effectRef>
+            <a:fontRef idx="minor">
+              <a:schemeClr val="lt1"/>
+            </a:fontRef>
+          </p:style>
+          <p:txBody>
+            <a:bodyPr rtlCol="0" anchor="ctr"/>
+            <a:lstStyle/>
+            <a:p>
+              <a:pPr algn="ctr"/>
+              <a:endParaRPr kumimoji="1" lang="ja-JP" altLang="en-US">
+                <a:solidFill>
+                  <a:schemeClr val="tx1"/>
+                </a:solidFill>
+              </a:endParaRPr>
+            </a:p>
+          </p:txBody>
+        </p:sp>
+        <p:sp>
+          <p:nvSpPr>
+            <p:cNvPr id="40" name="正方形/長方形 39">
+              <a:extLst>
+                <a:ext uri="{FF2B5EF4-FFF2-40B4-BE49-F238E27FC236}">
+                  <a16:creationId xmlns:a16="http://schemas.microsoft.com/office/drawing/2014/main" id="{D73BA699-0315-8341-B6D7-7F29F089CCF0}"/>
+                </a:ext>
+              </a:extLst>
+            </p:cNvPr>
+            <p:cNvSpPr/>
+            <p:nvPr/>
+          </p:nvSpPr>
+          <p:spPr>
+            <a:xfrm rot="16200000">
+              <a:off x="1753152" y="5379992"/>
+              <a:ext cx="1379407" cy="556901"/>
+            </a:xfrm>
+            <a:prstGeom prst="rect">
+              <a:avLst/>
+            </a:prstGeom>
+            <a:solidFill>
+              <a:schemeClr val="bg1"/>
+            </a:solidFill>
+            <a:ln>
+              <a:solidFill>
+                <a:schemeClr val="tx1"/>
+              </a:solidFill>
+            </a:ln>
+          </p:spPr>
+          <p:style>
+            <a:lnRef idx="2">
+              <a:schemeClr val="accent1">
+                <a:shade val="50000"/>
+              </a:schemeClr>
+            </a:lnRef>
+            <a:fillRef idx="1">
+              <a:schemeClr val="accent1"/>
+            </a:fillRef>
+            <a:effectRef idx="0">
+              <a:schemeClr val="accent1"/>
+            </a:effectRef>
+            <a:fontRef idx="minor">
+              <a:schemeClr val="lt1"/>
+            </a:fontRef>
+          </p:style>
+          <p:txBody>
+            <a:bodyPr rtlCol="0" anchor="ctr"/>
+            <a:lstStyle/>
+            <a:p>
+              <a:pPr algn="ctr"/>
+              <a:r>
+                <a:rPr lang="ja-JP" altLang="en-US">
+                  <a:solidFill>
+                    <a:schemeClr val="tx1"/>
+                  </a:solidFill>
+                </a:rPr>
+                <a:t>オシロスコープ</a:t>
+              </a:r>
+              <a:r>
+                <a:rPr lang="en-US" altLang="ja-JP" dirty="0">
+                  <a:solidFill>
+                    <a:schemeClr val="tx1"/>
+                  </a:solidFill>
+                </a:rPr>
+                <a:t>ch1</a:t>
+              </a:r>
+              <a:endParaRPr kumimoji="1" lang="ja-JP" altLang="en-US" dirty="0">
+                <a:solidFill>
+                  <a:schemeClr val="tx1"/>
+                </a:solidFill>
+              </a:endParaRPr>
+            </a:p>
+          </p:txBody>
+        </p:sp>
+        <p:sp>
+          <p:nvSpPr>
+            <p:cNvPr id="41" name="円/楕円 40">
+              <a:extLst>
+                <a:ext uri="{FF2B5EF4-FFF2-40B4-BE49-F238E27FC236}">
+                  <a16:creationId xmlns:a16="http://schemas.microsoft.com/office/drawing/2014/main" id="{DD0A74FC-51AC-F04C-BFC7-FE7952A09D86}"/>
+                </a:ext>
+              </a:extLst>
+            </p:cNvPr>
+            <p:cNvSpPr/>
+            <p:nvPr/>
+          </p:nvSpPr>
+          <p:spPr>
+            <a:xfrm>
+              <a:off x="1526332" y="4429026"/>
+              <a:ext cx="59431" cy="59431"/>
+            </a:xfrm>
+            <a:prstGeom prst="ellipse">
+              <a:avLst/>
+            </a:prstGeom>
+            <a:solidFill>
+              <a:schemeClr val="tx1"/>
+            </a:solidFill>
+            <a:ln>
+              <a:solidFill>
+                <a:schemeClr val="tx1"/>
+              </a:solidFill>
+            </a:ln>
+          </p:spPr>
+          <p:style>
+            <a:lnRef idx="2">
+              <a:schemeClr val="accent1">
+                <a:shade val="50000"/>
+              </a:schemeClr>
+            </a:lnRef>
+            <a:fillRef idx="1">
+              <a:schemeClr val="accent1"/>
+            </a:fillRef>
+            <a:effectRef idx="0">
+              <a:schemeClr val="accent1"/>
+            </a:effectRef>
+            <a:fontRef idx="minor">
+              <a:schemeClr val="lt1"/>
+            </a:fontRef>
+          </p:style>
+          <p:txBody>
+            <a:bodyPr rtlCol="0" anchor="ctr"/>
+            <a:lstStyle/>
+            <a:p>
+              <a:pPr algn="ctr"/>
+              <a:endParaRPr kumimoji="1" lang="ja-JP" altLang="en-US">
+                <a:ln>
+                  <a:solidFill>
+                    <a:sysClr val="windowText" lastClr="000000"/>
+                  </a:solidFill>
+                </a:ln>
+                <a:solidFill>
+                  <a:sysClr val="windowText" lastClr="000000"/>
+                </a:solidFill>
+              </a:endParaRPr>
+            </a:p>
+          </p:txBody>
+        </p:sp>
+        <p:sp>
+          <p:nvSpPr>
+            <p:cNvPr id="42" name="円/楕円 41">
+              <a:extLst>
+                <a:ext uri="{FF2B5EF4-FFF2-40B4-BE49-F238E27FC236}">
+                  <a16:creationId xmlns:a16="http://schemas.microsoft.com/office/drawing/2014/main" id="{BFF27336-33E6-1747-B18E-5D5A4493CE14}"/>
+                </a:ext>
+              </a:extLst>
+            </p:cNvPr>
+            <p:cNvSpPr/>
+            <p:nvPr/>
+          </p:nvSpPr>
+          <p:spPr>
+            <a:xfrm>
+              <a:off x="3363260" y="4429028"/>
+              <a:ext cx="50110" cy="59431"/>
+            </a:xfrm>
+            <a:prstGeom prst="ellipse">
+              <a:avLst/>
+            </a:prstGeom>
+            <a:solidFill>
+              <a:schemeClr val="tx1"/>
+            </a:solidFill>
+            <a:ln>
+              <a:solidFill>
+                <a:schemeClr val="tx1"/>
+              </a:solidFill>
+            </a:ln>
+          </p:spPr>
+          <p:style>
+            <a:lnRef idx="2">
+              <a:schemeClr val="accent1">
+                <a:shade val="50000"/>
+              </a:schemeClr>
+            </a:lnRef>
+            <a:fillRef idx="1">
+              <a:schemeClr val="accent1"/>
+            </a:fillRef>
+            <a:effectRef idx="0">
+              <a:schemeClr val="accent1"/>
+            </a:effectRef>
+            <a:fontRef idx="minor">
+              <a:schemeClr val="lt1"/>
+            </a:fontRef>
+          </p:style>
+          <p:txBody>
+            <a:bodyPr rtlCol="0" anchor="ctr"/>
+            <a:lstStyle/>
+            <a:p>
+              <a:pPr algn="ctr"/>
+              <a:endParaRPr kumimoji="1" lang="ja-JP" altLang="en-US">
+                <a:ln>
+                  <a:solidFill>
+                    <a:sysClr val="windowText" lastClr="000000"/>
+                  </a:solidFill>
+                </a:ln>
+                <a:solidFill>
+                  <a:sysClr val="windowText" lastClr="000000"/>
+                </a:solidFill>
+              </a:endParaRPr>
+            </a:p>
+          </p:txBody>
+        </p:sp>
+      </p:grpSp>
       <p:sp>
         <p:nvSpPr>
           <p:cNvPr id="6" name="正方形/長方形 5">
@@ -6795,8 +7072,8 @@
         </p:nvSpPr>
         <p:spPr>
           <a:xfrm>
-            <a:off x="2483768" y="1562354"/>
-            <a:ext cx="2016795" cy="3733291"/>
+            <a:off x="733218" y="2309217"/>
+            <a:ext cx="3767346" cy="1996897"/>
           </a:xfrm>
           <a:prstGeom prst="rect">
             <a:avLst/>
@@ -6829,7 +7106,11 @@
           <a:lstStyle/>
           <a:p>
             <a:pPr algn="ctr"/>
-            <a:endParaRPr kumimoji="1" lang="ja-JP" altLang="en-US"/>
+            <a:endParaRPr kumimoji="1" lang="ja-JP" altLang="en-US">
+              <a:solidFill>
+                <a:schemeClr val="tx1"/>
+              </a:solidFill>
+            </a:endParaRPr>
           </a:p>
         </p:txBody>
       </p:sp>
@@ -6847,7 +7128,7 @@
         </p:nvSpPr>
         <p:spPr>
           <a:xfrm>
-            <a:off x="2053249" y="2760743"/>
+            <a:off x="324813" y="2850849"/>
             <a:ext cx="830980" cy="830980"/>
           </a:xfrm>
           <a:prstGeom prst="ellipse">
@@ -6883,7 +7164,11 @@
           <a:lstStyle/>
           <a:p>
             <a:pPr algn="ctr"/>
-            <a:endParaRPr kumimoji="1" lang="ja-JP" altLang="en-US"/>
+            <a:endParaRPr kumimoji="1" lang="ja-JP" altLang="en-US">
+              <a:solidFill>
+                <a:schemeClr val="tx1"/>
+              </a:solidFill>
+            </a:endParaRPr>
           </a:p>
         </p:txBody>
       </p:sp>
@@ -6901,7 +7186,7 @@
         </p:nvGrpSpPr>
         <p:grpSpPr>
           <a:xfrm>
-            <a:off x="2219701" y="2951282"/>
+            <a:off x="491265" y="3041388"/>
             <a:ext cx="498075" cy="444447"/>
             <a:chOff x="1994568" y="2951282"/>
             <a:chExt cx="948343" cy="444447"/>
@@ -6929,6 +7214,11 @@
             <a:prstGeom prst="line">
               <a:avLst/>
             </a:prstGeom>
+            <a:ln>
+              <a:solidFill>
+                <a:schemeClr val="tx1"/>
+              </a:solidFill>
+            </a:ln>
           </p:spPr>
           <p:style>
             <a:lnRef idx="1">
@@ -6967,6 +7257,11 @@
             <a:prstGeom prst="line">
               <a:avLst/>
             </a:prstGeom>
+            <a:ln>
+              <a:solidFill>
+                <a:schemeClr val="tx1"/>
+              </a:solidFill>
+            </a:ln>
           </p:spPr>
           <p:style>
             <a:lnRef idx="1">
@@ -7005,6 +7300,11 @@
             <a:prstGeom prst="line">
               <a:avLst/>
             </a:prstGeom>
+            <a:ln>
+              <a:solidFill>
+                <a:schemeClr val="tx1"/>
+              </a:solidFill>
+            </a:ln>
           </p:spPr>
           <p:style>
             <a:lnRef idx="1">
@@ -7043,6 +7343,11 @@
             <a:prstGeom prst="line">
               <a:avLst/>
             </a:prstGeom>
+            <a:ln>
+              <a:solidFill>
+                <a:schemeClr val="tx1"/>
+              </a:solidFill>
+            </a:ln>
           </p:spPr>
           <p:style>
             <a:lnRef idx="1">
@@ -7082,6 +7387,9 @@
               <a:avLst/>
             </a:prstGeom>
             <a:ln>
+              <a:solidFill>
+                <a:schemeClr val="tx1"/>
+              </a:solidFill>
               <a:headEnd type="none"/>
               <a:tailEnd type="none"/>
             </a:ln>
@@ -7116,13 +7424,16 @@
         </p:nvSpPr>
         <p:spPr>
           <a:xfrm>
-            <a:off x="771463" y="2948179"/>
+            <a:off x="1141028" y="2941343"/>
             <a:ext cx="1810475" cy="830997"/>
           </a:xfrm>
           <a:prstGeom prst="rect">
             <a:avLst/>
           </a:prstGeom>
           <a:noFill/>
+          <a:ln>
+            <a:noFill/>
+          </a:ln>
         </p:spPr>
         <p:txBody>
           <a:bodyPr wrap="square" rtlCol="0">
@@ -7197,6 +7508,11 @@
             <a:prstGeom prst="line">
               <a:avLst/>
             </a:prstGeom>
+            <a:ln>
+              <a:solidFill>
+                <a:schemeClr val="tx1"/>
+              </a:solidFill>
+            </a:ln>
           </p:spPr>
           <p:style>
             <a:lnRef idx="1">
@@ -7235,6 +7551,11 @@
             <a:prstGeom prst="line">
               <a:avLst/>
             </a:prstGeom>
+            <a:ln>
+              <a:solidFill>
+                <a:schemeClr val="tx1"/>
+              </a:solidFill>
+            </a:ln>
           </p:spPr>
           <p:style>
             <a:lnRef idx="1">
@@ -7272,6 +7593,9 @@
               <a:avLst/>
             </a:prstGeom>
             <a:ln>
+              <a:solidFill>
+                <a:schemeClr val="tx1"/>
+              </a:solidFill>
               <a:tailEnd type="arrow"/>
             </a:ln>
           </p:spPr>
@@ -7314,6 +7638,11 @@
           <a:solidFill>
             <a:schemeClr val="bg1"/>
           </a:solidFill>
+          <a:ln>
+            <a:solidFill>
+              <a:schemeClr val="tx1"/>
+            </a:solidFill>
+          </a:ln>
         </p:spPr>
         <p:style>
           <a:lnRef idx="2">
@@ -7336,7 +7665,11 @@
           <a:lstStyle/>
           <a:p>
             <a:pPr algn="ctr"/>
-            <a:endParaRPr kumimoji="1" lang="ja-JP" altLang="en-US"/>
+            <a:endParaRPr kumimoji="1" lang="ja-JP" altLang="en-US">
+              <a:solidFill>
+                <a:schemeClr val="tx1"/>
+              </a:solidFill>
+            </a:endParaRPr>
           </a:p>
         </p:txBody>
       </p:sp>
@@ -7360,6 +7693,11 @@
           <a:prstGeom prst="line">
             <a:avLst/>
           </a:prstGeom>
+          <a:ln>
+            <a:solidFill>
+              <a:schemeClr val="tx1"/>
+            </a:solidFill>
+          </a:ln>
         </p:spPr>
         <p:style>
           <a:lnRef idx="1">
@@ -7378,10 +7716,10 @@
       </p:cxnSp>
       <p:sp>
         <p:nvSpPr>
-          <p:cNvPr id="24" name="正方形/長方形 23">
-            <a:extLst>
-              <a:ext uri="{FF2B5EF4-FFF2-40B4-BE49-F238E27FC236}">
-                <a16:creationId xmlns:a16="http://schemas.microsoft.com/office/drawing/2014/main" id="{DA61C175-180D-450F-882E-4DE0CB0A751A}"/>
+          <p:cNvPr id="25" name="正方形/長方形 24">
+            <a:extLst>
+              <a:ext uri="{FF2B5EF4-FFF2-40B4-BE49-F238E27FC236}">
+                <a16:creationId xmlns:a16="http://schemas.microsoft.com/office/drawing/2014/main" id="{FACDF452-C719-4962-9579-7D8BC0506A75}"/>
               </a:ext>
             </a:extLst>
           </p:cNvPr>
@@ -7390,15 +7728,18 @@
         </p:nvSpPr>
         <p:spPr>
           <a:xfrm>
-            <a:off x="2814664" y="5113879"/>
-            <a:ext cx="1379409" cy="363532"/>
+            <a:off x="5449972" y="2832546"/>
+            <a:ext cx="2292074" cy="862131"/>
           </a:xfrm>
           <a:prstGeom prst="rect">
             <a:avLst/>
           </a:prstGeom>
-          <a:solidFill>
-            <a:schemeClr val="bg1"/>
-          </a:solidFill>
+          <a:noFill/>
+          <a:ln>
+            <a:solidFill>
+              <a:schemeClr val="tx1"/>
+            </a:solidFill>
+          </a:ln>
         </p:spPr>
         <p:style>
           <a:lnRef idx="2">
@@ -7422,60 +7763,6 @@
           <a:p>
             <a:pPr algn="ctr"/>
             <a:r>
-              <a:rPr kumimoji="1" lang="ja-JP" altLang="en-US" dirty="0">
-                <a:solidFill>
-                  <a:schemeClr val="tx1"/>
-                </a:solidFill>
-              </a:rPr>
-              <a:t>抵抗</a:t>
-            </a:r>
-          </a:p>
-        </p:txBody>
-      </p:sp>
-      <p:sp>
-        <p:nvSpPr>
-          <p:cNvPr id="25" name="正方形/長方形 24">
-            <a:extLst>
-              <a:ext uri="{FF2B5EF4-FFF2-40B4-BE49-F238E27FC236}">
-                <a16:creationId xmlns:a16="http://schemas.microsoft.com/office/drawing/2014/main" id="{FACDF452-C719-4962-9579-7D8BC0506A75}"/>
-              </a:ext>
-            </a:extLst>
-          </p:cNvPr>
-          <p:cNvSpPr/>
-          <p:nvPr/>
-        </p:nvSpPr>
-        <p:spPr>
-          <a:xfrm>
-            <a:off x="5449972" y="2832546"/>
-            <a:ext cx="2292074" cy="862131"/>
-          </a:xfrm>
-          <a:prstGeom prst="rect">
-            <a:avLst/>
-          </a:prstGeom>
-          <a:noFill/>
-        </p:spPr>
-        <p:style>
-          <a:lnRef idx="2">
-            <a:schemeClr val="accent1">
-              <a:shade val="50000"/>
-            </a:schemeClr>
-          </a:lnRef>
-          <a:fillRef idx="1">
-            <a:schemeClr val="accent1"/>
-          </a:fillRef>
-          <a:effectRef idx="0">
-            <a:schemeClr val="accent1"/>
-          </a:effectRef>
-          <a:fontRef idx="minor">
-            <a:schemeClr val="lt1"/>
-          </a:fontRef>
-        </p:style>
-        <p:txBody>
-          <a:bodyPr rtlCol="0" anchor="ctr"/>
-          <a:lstStyle/>
-          <a:p>
-            <a:pPr algn="ctr"/>
-            <a:r>
               <a:rPr lang="ja-JP" altLang="en-US" dirty="0">
                 <a:solidFill>
                   <a:schemeClr val="tx1"/>
@@ -7512,6 +7799,9 @@
             <a:avLst/>
           </a:prstGeom>
           <a:noFill/>
+          <a:ln>
+            <a:noFill/>
+          </a:ln>
         </p:spPr>
         <p:txBody>
           <a:bodyPr wrap="square" rtlCol="0">
@@ -7551,7 +7841,7 @@
         </p:nvGrpSpPr>
         <p:grpSpPr>
           <a:xfrm>
-            <a:off x="3217063" y="869145"/>
+            <a:off x="2293457" y="1533731"/>
             <a:ext cx="439121" cy="444447"/>
             <a:chOff x="1634843" y="916093"/>
             <a:chExt cx="792088" cy="371217"/>
@@ -7579,6 +7869,11 @@
             <a:prstGeom prst="line">
               <a:avLst/>
             </a:prstGeom>
+            <a:ln>
+              <a:solidFill>
+                <a:schemeClr val="tx1"/>
+              </a:solidFill>
+            </a:ln>
           </p:spPr>
           <p:style>
             <a:lnRef idx="1">
@@ -7617,6 +7912,11 @@
             <a:prstGeom prst="line">
               <a:avLst/>
             </a:prstGeom>
+            <a:ln>
+              <a:solidFill>
+                <a:schemeClr val="tx1"/>
+              </a:solidFill>
+            </a:ln>
           </p:spPr>
           <p:style>
             <a:lnRef idx="1">
@@ -7655,6 +7955,11 @@
             <a:prstGeom prst="line">
               <a:avLst/>
             </a:prstGeom>
+            <a:ln>
+              <a:solidFill>
+                <a:schemeClr val="tx1"/>
+              </a:solidFill>
+            </a:ln>
           </p:spPr>
           <p:style>
             <a:lnRef idx="1">
@@ -7693,6 +7998,11 @@
             <a:prstGeom prst="line">
               <a:avLst/>
             </a:prstGeom>
+            <a:ln>
+              <a:solidFill>
+                <a:schemeClr val="tx1"/>
+              </a:solidFill>
+            </a:ln>
           </p:spPr>
           <p:style>
             <a:lnRef idx="1">
@@ -7732,6 +8042,9 @@
               <a:avLst/>
             </a:prstGeom>
             <a:ln>
+              <a:solidFill>
+                <a:schemeClr val="tx1"/>
+              </a:solidFill>
               <a:headEnd type="none"/>
               <a:tailEnd type="none"/>
             </a:ln>
@@ -7766,13 +8079,16 @@
         </p:nvCxnSpPr>
         <p:spPr>
           <a:xfrm>
-            <a:off x="3239422" y="1412776"/>
+            <a:off x="2315816" y="2077362"/>
             <a:ext cx="416762" cy="0"/>
           </a:xfrm>
           <a:prstGeom prst="straightConnector1">
             <a:avLst/>
           </a:prstGeom>
           <a:ln>
+            <a:solidFill>
+              <a:schemeClr val="tx1"/>
+            </a:solidFill>
             <a:tailEnd type="triangle"/>
           </a:ln>
         </p:spPr>
@@ -7805,13 +8121,16 @@
         </p:nvSpPr>
         <p:spPr>
           <a:xfrm>
-            <a:off x="2732578" y="407480"/>
+            <a:off x="1959060" y="976830"/>
             <a:ext cx="2429624" cy="461665"/>
           </a:xfrm>
           <a:prstGeom prst="rect">
             <a:avLst/>
           </a:prstGeom>
           <a:noFill/>
+          <a:ln>
+            <a:noFill/>
+          </a:ln>
         </p:spPr>
         <p:txBody>
           <a:bodyPr wrap="square" rtlCol="0">
@@ -7857,6 +8176,323 @@
               <a:rPr kumimoji="1" lang="ja-JP" altLang="en-US" sz="1200" dirty="0"/>
               <a:t> </a:t>
             </a:r>
+          </a:p>
+        </p:txBody>
+      </p:sp>
+      <p:sp>
+        <p:nvSpPr>
+          <p:cNvPr id="36" name="正方形/長方形 35">
+            <a:extLst>
+              <a:ext uri="{FF2B5EF4-FFF2-40B4-BE49-F238E27FC236}">
+                <a16:creationId xmlns:a16="http://schemas.microsoft.com/office/drawing/2014/main" id="{74E5F5EA-B762-0544-986D-C7CE55B0DCFD}"/>
+              </a:ext>
+            </a:extLst>
+          </p:cNvPr>
+          <p:cNvSpPr/>
+          <p:nvPr/>
+        </p:nvSpPr>
+        <p:spPr>
+          <a:xfrm>
+            <a:off x="1403648" y="4306568"/>
+            <a:ext cx="2304256" cy="1199472"/>
+          </a:xfrm>
+          <a:prstGeom prst="rect">
+            <a:avLst/>
+          </a:prstGeom>
+          <a:noFill/>
+          <a:ln>
+            <a:solidFill>
+              <a:schemeClr val="tx1"/>
+            </a:solidFill>
+          </a:ln>
+        </p:spPr>
+        <p:style>
+          <a:lnRef idx="2">
+            <a:schemeClr val="accent1">
+              <a:shade val="50000"/>
+            </a:schemeClr>
+          </a:lnRef>
+          <a:fillRef idx="1">
+            <a:schemeClr val="accent1"/>
+          </a:fillRef>
+          <a:effectRef idx="0">
+            <a:schemeClr val="accent1"/>
+          </a:effectRef>
+          <a:fontRef idx="minor">
+            <a:schemeClr val="lt1"/>
+          </a:fontRef>
+        </p:style>
+        <p:txBody>
+          <a:bodyPr rtlCol="0" anchor="ctr"/>
+          <a:lstStyle/>
+          <a:p>
+            <a:pPr algn="ctr"/>
+            <a:endParaRPr kumimoji="1" lang="ja-JP" altLang="en-US">
+              <a:solidFill>
+                <a:schemeClr val="tx1"/>
+              </a:solidFill>
+            </a:endParaRPr>
+          </a:p>
+        </p:txBody>
+      </p:sp>
+      <p:sp>
+        <p:nvSpPr>
+          <p:cNvPr id="24" name="正方形/長方形 23">
+            <a:extLst>
+              <a:ext uri="{FF2B5EF4-FFF2-40B4-BE49-F238E27FC236}">
+                <a16:creationId xmlns:a16="http://schemas.microsoft.com/office/drawing/2014/main" id="{DA61C175-180D-450F-882E-4DE0CB0A751A}"/>
+              </a:ext>
+            </a:extLst>
+          </p:cNvPr>
+          <p:cNvSpPr/>
+          <p:nvPr/>
+        </p:nvSpPr>
+        <p:spPr>
+          <a:xfrm>
+            <a:off x="1794463" y="4124575"/>
+            <a:ext cx="1379409" cy="363532"/>
+          </a:xfrm>
+          <a:prstGeom prst="rect">
+            <a:avLst/>
+          </a:prstGeom>
+          <a:solidFill>
+            <a:schemeClr val="bg1"/>
+          </a:solidFill>
+          <a:ln>
+            <a:solidFill>
+              <a:schemeClr val="tx1"/>
+            </a:solidFill>
+          </a:ln>
+        </p:spPr>
+        <p:style>
+          <a:lnRef idx="2">
+            <a:schemeClr val="accent1">
+              <a:shade val="50000"/>
+            </a:schemeClr>
+          </a:lnRef>
+          <a:fillRef idx="1">
+            <a:schemeClr val="accent1"/>
+          </a:fillRef>
+          <a:effectRef idx="0">
+            <a:schemeClr val="accent1"/>
+          </a:effectRef>
+          <a:fontRef idx="minor">
+            <a:schemeClr val="lt1"/>
+          </a:fontRef>
+        </p:style>
+        <p:txBody>
+          <a:bodyPr rtlCol="0" anchor="ctr"/>
+          <a:lstStyle/>
+          <a:p>
+            <a:pPr algn="ctr"/>
+            <a:r>
+              <a:rPr kumimoji="1" lang="ja-JP" altLang="en-US" dirty="0">
+                <a:solidFill>
+                  <a:schemeClr val="tx1"/>
+                </a:solidFill>
+              </a:rPr>
+              <a:t>抵抗</a:t>
+            </a:r>
+          </a:p>
+        </p:txBody>
+      </p:sp>
+      <p:sp>
+        <p:nvSpPr>
+          <p:cNvPr id="35" name="正方形/長方形 34">
+            <a:extLst>
+              <a:ext uri="{FF2B5EF4-FFF2-40B4-BE49-F238E27FC236}">
+                <a16:creationId xmlns:a16="http://schemas.microsoft.com/office/drawing/2014/main" id="{164B6729-C46F-A742-AB3E-205049F34C6F}"/>
+              </a:ext>
+            </a:extLst>
+          </p:cNvPr>
+          <p:cNvSpPr/>
+          <p:nvPr/>
+        </p:nvSpPr>
+        <p:spPr>
+          <a:xfrm>
+            <a:off x="1834492" y="5227589"/>
+            <a:ext cx="1379409" cy="556901"/>
+          </a:xfrm>
+          <a:prstGeom prst="rect">
+            <a:avLst/>
+          </a:prstGeom>
+          <a:solidFill>
+            <a:schemeClr val="bg1"/>
+          </a:solidFill>
+          <a:ln>
+            <a:solidFill>
+              <a:schemeClr val="tx1"/>
+            </a:solidFill>
+          </a:ln>
+        </p:spPr>
+        <p:style>
+          <a:lnRef idx="2">
+            <a:schemeClr val="accent1">
+              <a:shade val="50000"/>
+            </a:schemeClr>
+          </a:lnRef>
+          <a:fillRef idx="1">
+            <a:schemeClr val="accent1"/>
+          </a:fillRef>
+          <a:effectRef idx="0">
+            <a:schemeClr val="accent1"/>
+          </a:effectRef>
+          <a:fontRef idx="minor">
+            <a:schemeClr val="lt1"/>
+          </a:fontRef>
+        </p:style>
+        <p:txBody>
+          <a:bodyPr rtlCol="0" anchor="ctr"/>
+          <a:lstStyle/>
+          <a:p>
+            <a:pPr algn="ctr"/>
+            <a:r>
+              <a:rPr lang="ja-JP" altLang="en-US">
+                <a:solidFill>
+                  <a:schemeClr val="tx1"/>
+                </a:solidFill>
+              </a:rPr>
+              <a:t>オシロスコープ</a:t>
+            </a:r>
+            <a:r>
+              <a:rPr lang="en-US" altLang="ja-JP" dirty="0">
+                <a:solidFill>
+                  <a:schemeClr val="tx1"/>
+                </a:solidFill>
+              </a:rPr>
+              <a:t>ch2</a:t>
+            </a:r>
+            <a:endParaRPr kumimoji="1" lang="ja-JP" altLang="en-US" dirty="0">
+              <a:solidFill>
+                <a:schemeClr val="tx1"/>
+              </a:solidFill>
+            </a:endParaRPr>
+          </a:p>
+        </p:txBody>
+      </p:sp>
+      <p:sp>
+        <p:nvSpPr>
+          <p:cNvPr id="4" name="円/楕円 3">
+            <a:extLst>
+              <a:ext uri="{FF2B5EF4-FFF2-40B4-BE49-F238E27FC236}">
+                <a16:creationId xmlns:a16="http://schemas.microsoft.com/office/drawing/2014/main" id="{E39D435E-C40A-F94E-9779-FD3D94FFDDD0}"/>
+              </a:ext>
+            </a:extLst>
+          </p:cNvPr>
+          <p:cNvSpPr/>
+          <p:nvPr/>
+        </p:nvSpPr>
+        <p:spPr>
+          <a:xfrm>
+            <a:off x="1373932" y="4276626"/>
+            <a:ext cx="59431" cy="59431"/>
+          </a:xfrm>
+          <a:prstGeom prst="ellipse">
+            <a:avLst/>
+          </a:prstGeom>
+          <a:solidFill>
+            <a:schemeClr val="tx1"/>
+          </a:solidFill>
+          <a:ln>
+            <a:solidFill>
+              <a:schemeClr val="tx1"/>
+            </a:solidFill>
+          </a:ln>
+        </p:spPr>
+        <p:style>
+          <a:lnRef idx="2">
+            <a:schemeClr val="accent1">
+              <a:shade val="50000"/>
+            </a:schemeClr>
+          </a:lnRef>
+          <a:fillRef idx="1">
+            <a:schemeClr val="accent1"/>
+          </a:fillRef>
+          <a:effectRef idx="0">
+            <a:schemeClr val="accent1"/>
+          </a:effectRef>
+          <a:fontRef idx="minor">
+            <a:schemeClr val="lt1"/>
+          </a:fontRef>
+        </p:style>
+        <p:txBody>
+          <a:bodyPr rtlCol="0" anchor="ctr"/>
+          <a:lstStyle/>
+          <a:p>
+            <a:pPr algn="ctr"/>
+            <a:endParaRPr kumimoji="1" lang="ja-JP" altLang="en-US">
+              <a:ln>
+                <a:solidFill>
+                  <a:sysClr val="windowText" lastClr="000000"/>
+                </a:solidFill>
+              </a:ln>
+              <a:solidFill>
+                <a:sysClr val="windowText" lastClr="000000"/>
+              </a:solidFill>
+            </a:endParaRPr>
+          </a:p>
+        </p:txBody>
+      </p:sp>
+      <p:sp>
+        <p:nvSpPr>
+          <p:cNvPr id="37" name="円/楕円 36">
+            <a:extLst>
+              <a:ext uri="{FF2B5EF4-FFF2-40B4-BE49-F238E27FC236}">
+                <a16:creationId xmlns:a16="http://schemas.microsoft.com/office/drawing/2014/main" id="{FAFAA1FD-2B8B-124D-8435-7C7D9D45D4C2}"/>
+              </a:ext>
+            </a:extLst>
+          </p:cNvPr>
+          <p:cNvSpPr/>
+          <p:nvPr/>
+        </p:nvSpPr>
+        <p:spPr>
+          <a:xfrm>
+            <a:off x="3678188" y="4276626"/>
+            <a:ext cx="59431" cy="59431"/>
+          </a:xfrm>
+          <a:prstGeom prst="ellipse">
+            <a:avLst/>
+          </a:prstGeom>
+          <a:solidFill>
+            <a:schemeClr val="tx1"/>
+          </a:solidFill>
+          <a:ln>
+            <a:solidFill>
+              <a:schemeClr val="tx1"/>
+            </a:solidFill>
+          </a:ln>
+        </p:spPr>
+        <p:style>
+          <a:lnRef idx="2">
+            <a:schemeClr val="accent1">
+              <a:shade val="50000"/>
+            </a:schemeClr>
+          </a:lnRef>
+          <a:fillRef idx="1">
+            <a:schemeClr val="accent1"/>
+          </a:fillRef>
+          <a:effectRef idx="0">
+            <a:schemeClr val="accent1"/>
+          </a:effectRef>
+          <a:fontRef idx="minor">
+            <a:schemeClr val="lt1"/>
+          </a:fontRef>
+        </p:style>
+        <p:txBody>
+          <a:bodyPr rtlCol="0" anchor="ctr"/>
+          <a:lstStyle/>
+          <a:p>
+            <a:pPr algn="ctr"/>
+            <a:endParaRPr kumimoji="1" lang="ja-JP" altLang="en-US">
+              <a:ln>
+                <a:solidFill>
+                  <a:sysClr val="windowText" lastClr="000000"/>
+                </a:solidFill>
+              </a:ln>
+              <a:solidFill>
+                <a:sysClr val="windowText" lastClr="000000"/>
+              </a:solidFill>
+            </a:endParaRPr>
           </a:p>
         </p:txBody>
       </p:sp>
